--- a/GamePresentation.pptx
+++ b/GamePresentation.pptx
@@ -112,6 +112,11 @@
       </a:defRPr>
     </a:lvl9pPr>
   </p:defaultTextStyle>
+  <p:extLst>
+    <p:ext uri="{EFAFB233-063F-42B5-8137-9DF3F51BA10A}">
+      <p15:sldGuideLst xmlns:p15="http://schemas.microsoft.com/office/powerpoint/2012/main"/>
+    </p:ext>
+  </p:extLst>
 </p:presentation>
 </file>
 
@@ -262,7 +267,7 @@
           <a:p>
             <a:fld id="{915C209F-7E82-4CB7-A7F4-C412B3A8F74A}" type="datetimeFigureOut">
               <a:rPr lang="en-US" smtClean="0"/>
-              <a:t>11/13/2020</a:t>
+              <a:t>11/19/2020</a:t>
             </a:fld>
             <a:endParaRPr lang="en-US"/>
           </a:p>
@@ -460,7 +465,7 @@
           <a:p>
             <a:fld id="{915C209F-7E82-4CB7-A7F4-C412B3A8F74A}" type="datetimeFigureOut">
               <a:rPr lang="en-US" smtClean="0"/>
-              <a:t>11/13/2020</a:t>
+              <a:t>11/19/2020</a:t>
             </a:fld>
             <a:endParaRPr lang="en-US"/>
           </a:p>
@@ -668,7 +673,7 @@
           <a:p>
             <a:fld id="{915C209F-7E82-4CB7-A7F4-C412B3A8F74A}" type="datetimeFigureOut">
               <a:rPr lang="en-US" smtClean="0"/>
-              <a:t>11/13/2020</a:t>
+              <a:t>11/19/2020</a:t>
             </a:fld>
             <a:endParaRPr lang="en-US"/>
           </a:p>
@@ -866,7 +871,7 @@
           <a:p>
             <a:fld id="{915C209F-7E82-4CB7-A7F4-C412B3A8F74A}" type="datetimeFigureOut">
               <a:rPr lang="en-US" smtClean="0"/>
-              <a:t>11/13/2020</a:t>
+              <a:t>11/19/2020</a:t>
             </a:fld>
             <a:endParaRPr lang="en-US"/>
           </a:p>
@@ -1141,7 +1146,7 @@
           <a:p>
             <a:fld id="{915C209F-7E82-4CB7-A7F4-C412B3A8F74A}" type="datetimeFigureOut">
               <a:rPr lang="en-US" smtClean="0"/>
-              <a:t>11/13/2020</a:t>
+              <a:t>11/19/2020</a:t>
             </a:fld>
             <a:endParaRPr lang="en-US"/>
           </a:p>
@@ -1406,7 +1411,7 @@
           <a:p>
             <a:fld id="{915C209F-7E82-4CB7-A7F4-C412B3A8F74A}" type="datetimeFigureOut">
               <a:rPr lang="en-US" smtClean="0"/>
-              <a:t>11/13/2020</a:t>
+              <a:t>11/19/2020</a:t>
             </a:fld>
             <a:endParaRPr lang="en-US"/>
           </a:p>
@@ -1818,7 +1823,7 @@
           <a:p>
             <a:fld id="{915C209F-7E82-4CB7-A7F4-C412B3A8F74A}" type="datetimeFigureOut">
               <a:rPr lang="en-US" smtClean="0"/>
-              <a:t>11/13/2020</a:t>
+              <a:t>11/19/2020</a:t>
             </a:fld>
             <a:endParaRPr lang="en-US"/>
           </a:p>
@@ -1959,7 +1964,7 @@
           <a:p>
             <a:fld id="{915C209F-7E82-4CB7-A7F4-C412B3A8F74A}" type="datetimeFigureOut">
               <a:rPr lang="en-US" smtClean="0"/>
-              <a:t>11/13/2020</a:t>
+              <a:t>11/19/2020</a:t>
             </a:fld>
             <a:endParaRPr lang="en-US"/>
           </a:p>
@@ -2072,7 +2077,7 @@
           <a:p>
             <a:fld id="{915C209F-7E82-4CB7-A7F4-C412B3A8F74A}" type="datetimeFigureOut">
               <a:rPr lang="en-US" smtClean="0"/>
-              <a:t>11/13/2020</a:t>
+              <a:t>11/19/2020</a:t>
             </a:fld>
             <a:endParaRPr lang="en-US"/>
           </a:p>
@@ -2383,7 +2388,7 @@
           <a:p>
             <a:fld id="{915C209F-7E82-4CB7-A7F4-C412B3A8F74A}" type="datetimeFigureOut">
               <a:rPr lang="en-US" smtClean="0"/>
-              <a:t>11/13/2020</a:t>
+              <a:t>11/19/2020</a:t>
             </a:fld>
             <a:endParaRPr lang="en-US"/>
           </a:p>
@@ -2671,7 +2676,7 @@
           <a:p>
             <a:fld id="{915C209F-7E82-4CB7-A7F4-C412B3A8F74A}" type="datetimeFigureOut">
               <a:rPr lang="en-US" smtClean="0"/>
-              <a:t>11/13/2020</a:t>
+              <a:t>11/19/2020</a:t>
             </a:fld>
             <a:endParaRPr lang="en-US"/>
           </a:p>
@@ -2921,7 +2926,7 @@
           <a:p>
             <a:fld id="{915C209F-7E82-4CB7-A7F4-C412B3A8F74A}" type="datetimeFigureOut">
               <a:rPr lang="en-US" smtClean="0"/>
-              <a:t>11/13/2020</a:t>
+              <a:t>11/19/2020</a:t>
             </a:fld>
             <a:endParaRPr lang="en-US"/>
           </a:p>
@@ -4873,13 +4878,13 @@
   <p:clrMapOvr>
     <a:masterClrMapping/>
   </p:clrMapOvr>
-  <mc:AlternateContent xmlns:mc="http://schemas.openxmlformats.org/markup-compatibility/2006">
-    <mc:Choice xmlns:p159="http://schemas.microsoft.com/office/powerpoint/2015/09/main" Requires="p159">
+  <mc:AlternateContent xmlns:mc="http://schemas.openxmlformats.org/markup-compatibility/2006" xmlns:p159="http://schemas.microsoft.com/office/powerpoint/2015/09/main">
+    <mc:Choice Requires="p159">
       <p:transition xmlns:p14="http://schemas.microsoft.com/office/powerpoint/2010/main" spd="slow" p14:dur="2000">
         <p159:morph option="byObject"/>
       </p:transition>
     </mc:Choice>
-    <mc:Fallback>
+    <mc:Fallback xmlns="">
       <p:transition spd="slow">
         <p:fade/>
       </p:transition>
@@ -5423,21 +5428,7 @@
                 <a:latin typeface="Arial" panose="020B0604020202020204" pitchFamily="34" charset="0"/>
                 <a:cs typeface="Arial" panose="020B0604020202020204" pitchFamily="34" charset="0"/>
               </a:rPr>
-              <a:t> </a:t>
-            </a:r>
-            <a:r>
-              <a:rPr lang="en-US" sz="2400" dirty="0" err="1">
-                <a:latin typeface="Arial" panose="020B0604020202020204" pitchFamily="34" charset="0"/>
-                <a:cs typeface="Arial" panose="020B0604020202020204" pitchFamily="34" charset="0"/>
-              </a:rPr>
-              <a:t>của</a:t>
-            </a:r>
-            <a:r>
-              <a:rPr lang="en-US" sz="2400" dirty="0">
-                <a:latin typeface="Arial" panose="020B0604020202020204" pitchFamily="34" charset="0"/>
-                <a:cs typeface="Arial" panose="020B0604020202020204" pitchFamily="34" charset="0"/>
-              </a:rPr>
-              <a:t> </a:t>
+              <a:t> của </a:t>
             </a:r>
             <a:r>
               <a:rPr lang="en-US" sz="2400" dirty="0" err="1">
@@ -5577,21 +5568,7 @@
                 <a:latin typeface="Arial" panose="020B0604020202020204" pitchFamily="34" charset="0"/>
                 <a:cs typeface="Arial" panose="020B0604020202020204" pitchFamily="34" charset="0"/>
               </a:rPr>
-              <a:t> </a:t>
-            </a:r>
-            <a:r>
-              <a:rPr lang="en-US" sz="2400" dirty="0" err="1">
-                <a:latin typeface="Arial" panose="020B0604020202020204" pitchFamily="34" charset="0"/>
-                <a:cs typeface="Arial" panose="020B0604020202020204" pitchFamily="34" charset="0"/>
-              </a:rPr>
-              <a:t>Cập</a:t>
-            </a:r>
-            <a:r>
-              <a:rPr lang="en-US" sz="2400" dirty="0">
-                <a:latin typeface="Arial" panose="020B0604020202020204" pitchFamily="34" charset="0"/>
-                <a:cs typeface="Arial" panose="020B0604020202020204" pitchFamily="34" charset="0"/>
-              </a:rPr>
-              <a:t> </a:t>
+              <a:t>, </a:t>
             </a:r>
             <a:r>
               <a:rPr lang="en-US" sz="2400" dirty="0" err="1">
@@ -5773,21 +5750,7 @@
                 <a:latin typeface="Arial" panose="020B0604020202020204" pitchFamily="34" charset="0"/>
                 <a:cs typeface="Arial" panose="020B0604020202020204" pitchFamily="34" charset="0"/>
               </a:rPr>
-              <a:t> </a:t>
-            </a:r>
-            <a:r>
-              <a:rPr lang="en-US" sz="2400" dirty="0" err="1">
-                <a:latin typeface="Arial" panose="020B0604020202020204" pitchFamily="34" charset="0"/>
-                <a:cs typeface="Arial" panose="020B0604020202020204" pitchFamily="34" charset="0"/>
-              </a:rPr>
-              <a:t>mình</a:t>
-            </a:r>
-            <a:r>
-              <a:rPr lang="en-US" sz="2400" dirty="0">
-                <a:latin typeface="Arial" panose="020B0604020202020204" pitchFamily="34" charset="0"/>
-                <a:cs typeface="Arial" panose="020B0604020202020204" pitchFamily="34" charset="0"/>
-              </a:rPr>
-              <a:t> </a:t>
+              <a:t> mình </a:t>
             </a:r>
             <a:r>
               <a:rPr lang="en-US" sz="2400" dirty="0" err="1">
@@ -6295,13 +6258,13 @@
   <p:clrMapOvr>
     <a:masterClrMapping/>
   </p:clrMapOvr>
-  <mc:AlternateContent xmlns:mc="http://schemas.openxmlformats.org/markup-compatibility/2006">
-    <mc:Choice xmlns:p159="http://schemas.microsoft.com/office/powerpoint/2015/09/main" Requires="p159">
+  <mc:AlternateContent xmlns:mc="http://schemas.openxmlformats.org/markup-compatibility/2006" xmlns:p159="http://schemas.microsoft.com/office/powerpoint/2015/09/main">
+    <mc:Choice Requires="p159">
       <p:transition xmlns:p14="http://schemas.microsoft.com/office/powerpoint/2010/main" spd="slow" p14:dur="2000">
         <p159:morph option="byObject"/>
       </p:transition>
     </mc:Choice>
-    <mc:Fallback>
+    <mc:Fallback xmlns="">
       <p:transition spd="slow">
         <p:fade/>
       </p:transition>
@@ -6587,7 +6550,7 @@
         <p:spPr>
           <a:xfrm>
             <a:off x="1730618" y="1923914"/>
-            <a:ext cx="8292613" cy="3913059"/>
+            <a:ext cx="8292613" cy="4524315"/>
           </a:xfrm>
           <a:prstGeom prst="rect">
             <a:avLst/>
@@ -7041,7 +7004,175 @@
                 <a:latin typeface="Arial" panose="020B0604020202020204" pitchFamily="34" charset="0"/>
                 <a:cs typeface="Arial" panose="020B0604020202020204" pitchFamily="34" charset="0"/>
               </a:rPr>
-              <a:t> Dota 2, League of legends.</a:t>
+              <a:t> Dota 2, League of legends + </a:t>
+            </a:r>
+            <a:r>
+              <a:rPr lang="en-US" sz="2400" dirty="0" err="1">
+                <a:latin typeface="Arial" panose="020B0604020202020204" pitchFamily="34" charset="0"/>
+                <a:cs typeface="Arial" panose="020B0604020202020204" pitchFamily="34" charset="0"/>
+              </a:rPr>
+              <a:t>một</a:t>
+            </a:r>
+            <a:r>
+              <a:rPr lang="en-US" sz="2400" dirty="0">
+                <a:latin typeface="Arial" panose="020B0604020202020204" pitchFamily="34" charset="0"/>
+                <a:cs typeface="Arial" panose="020B0604020202020204" pitchFamily="34" charset="0"/>
+              </a:rPr>
+              <a:t> số game trên </a:t>
+            </a:r>
+            <a:r>
+              <a:rPr lang="en-US" sz="2400" dirty="0" err="1">
+                <a:latin typeface="Arial" panose="020B0604020202020204" pitchFamily="34" charset="0"/>
+                <a:cs typeface="Arial" panose="020B0604020202020204" pitchFamily="34" charset="0"/>
+              </a:rPr>
+              <a:t>điện</a:t>
+            </a:r>
+            <a:r>
+              <a:rPr lang="en-US" sz="2400" dirty="0">
+                <a:latin typeface="Arial" panose="020B0604020202020204" pitchFamily="34" charset="0"/>
+                <a:cs typeface="Arial" panose="020B0604020202020204" pitchFamily="34" charset="0"/>
+              </a:rPr>
+              <a:t> </a:t>
+            </a:r>
+            <a:r>
+              <a:rPr lang="en-US" sz="2400" dirty="0" err="1">
+                <a:latin typeface="Arial" panose="020B0604020202020204" pitchFamily="34" charset="0"/>
+                <a:cs typeface="Arial" panose="020B0604020202020204" pitchFamily="34" charset="0"/>
+              </a:rPr>
+              <a:t>thoại</a:t>
+            </a:r>
+            <a:r>
+              <a:rPr lang="en-US" sz="2400" dirty="0">
+                <a:latin typeface="Arial" panose="020B0604020202020204" pitchFamily="34" charset="0"/>
+                <a:cs typeface="Arial" panose="020B0604020202020204" pitchFamily="34" charset="0"/>
+              </a:rPr>
+              <a:t> </a:t>
+            </a:r>
+            <a:r>
+              <a:rPr lang="en-US" sz="2400" dirty="0" err="1">
+                <a:latin typeface="Arial" panose="020B0604020202020204" pitchFamily="34" charset="0"/>
+                <a:cs typeface="Arial" panose="020B0604020202020204" pitchFamily="34" charset="0"/>
+              </a:rPr>
+              <a:t>phím</a:t>
+            </a:r>
+            <a:r>
+              <a:rPr lang="en-US" sz="2400" dirty="0">
+                <a:latin typeface="Arial" panose="020B0604020202020204" pitchFamily="34" charset="0"/>
+                <a:cs typeface="Arial" panose="020B0604020202020204" pitchFamily="34" charset="0"/>
+              </a:rPr>
+              <a:t> </a:t>
+            </a:r>
+            <a:r>
+              <a:rPr lang="en-US" sz="2400" dirty="0" err="1">
+                <a:latin typeface="Arial" panose="020B0604020202020204" pitchFamily="34" charset="0"/>
+                <a:cs typeface="Arial" panose="020B0604020202020204" pitchFamily="34" charset="0"/>
+              </a:rPr>
+              <a:t>bấm</a:t>
+            </a:r>
+            <a:r>
+              <a:rPr lang="en-US" sz="2400" dirty="0">
+                <a:latin typeface="Arial" panose="020B0604020202020204" pitchFamily="34" charset="0"/>
+                <a:cs typeface="Arial" panose="020B0604020202020204" pitchFamily="34" charset="0"/>
+              </a:rPr>
+              <a:t> </a:t>
+            </a:r>
+            <a:r>
+              <a:rPr lang="en-US" sz="2400" dirty="0" err="1">
+                <a:latin typeface="Arial" panose="020B0604020202020204" pitchFamily="34" charset="0"/>
+                <a:cs typeface="Arial" panose="020B0604020202020204" pitchFamily="34" charset="0"/>
+              </a:rPr>
+              <a:t>kinh</a:t>
+            </a:r>
+            <a:r>
+              <a:rPr lang="en-US" sz="2400" dirty="0">
+                <a:latin typeface="Arial" panose="020B0604020202020204" pitchFamily="34" charset="0"/>
+                <a:cs typeface="Arial" panose="020B0604020202020204" pitchFamily="34" charset="0"/>
+              </a:rPr>
+              <a:t> </a:t>
+            </a:r>
+            <a:r>
+              <a:rPr lang="en-US" sz="2400" dirty="0" err="1">
+                <a:latin typeface="Arial" panose="020B0604020202020204" pitchFamily="34" charset="0"/>
+                <a:cs typeface="Arial" panose="020B0604020202020204" pitchFamily="34" charset="0"/>
+              </a:rPr>
+              <a:t>điển</a:t>
+            </a:r>
+            <a:r>
+              <a:rPr lang="en-US" sz="2400" dirty="0">
+                <a:latin typeface="Arial" panose="020B0604020202020204" pitchFamily="34" charset="0"/>
+                <a:cs typeface="Arial" panose="020B0604020202020204" pitchFamily="34" charset="0"/>
+              </a:rPr>
+              <a:t> </a:t>
+            </a:r>
+            <a:r>
+              <a:rPr lang="en-US" sz="2400" dirty="0" err="1">
+                <a:latin typeface="Arial" panose="020B0604020202020204" pitchFamily="34" charset="0"/>
+                <a:cs typeface="Arial" panose="020B0604020202020204" pitchFamily="34" charset="0"/>
+              </a:rPr>
+              <a:t>như</a:t>
+            </a:r>
+            <a:r>
+              <a:rPr lang="en-US" sz="2400" dirty="0">
+                <a:latin typeface="Arial" panose="020B0604020202020204" pitchFamily="34" charset="0"/>
+                <a:cs typeface="Arial" panose="020B0604020202020204" pitchFamily="34" charset="0"/>
+              </a:rPr>
+              <a:t> Ninja school online, </a:t>
+            </a:r>
+            <a:r>
+              <a:rPr lang="en-US" sz="2400" dirty="0" err="1">
+                <a:latin typeface="Arial" panose="020B0604020202020204" pitchFamily="34" charset="0"/>
+                <a:cs typeface="Arial" panose="020B0604020202020204" pitchFamily="34" charset="0"/>
+              </a:rPr>
+              <a:t>Khí</a:t>
+            </a:r>
+            <a:r>
+              <a:rPr lang="en-US" sz="2400" dirty="0">
+                <a:latin typeface="Arial" panose="020B0604020202020204" pitchFamily="34" charset="0"/>
+                <a:cs typeface="Arial" panose="020B0604020202020204" pitchFamily="34" charset="0"/>
+              </a:rPr>
+              <a:t> </a:t>
+            </a:r>
+            <a:r>
+              <a:rPr lang="en-US" sz="2400" dirty="0" err="1">
+                <a:latin typeface="Arial" panose="020B0604020202020204" pitchFamily="34" charset="0"/>
+                <a:cs typeface="Arial" panose="020B0604020202020204" pitchFamily="34" charset="0"/>
+              </a:rPr>
+              <a:t>phách</a:t>
+            </a:r>
+            <a:r>
+              <a:rPr lang="en-US" sz="2400" dirty="0">
+                <a:latin typeface="Arial" panose="020B0604020202020204" pitchFamily="34" charset="0"/>
+                <a:cs typeface="Arial" panose="020B0604020202020204" pitchFamily="34" charset="0"/>
+              </a:rPr>
+              <a:t> </a:t>
+            </a:r>
+            <a:r>
+              <a:rPr lang="en-US" sz="2400" dirty="0" err="1">
+                <a:latin typeface="Arial" panose="020B0604020202020204" pitchFamily="34" charset="0"/>
+                <a:cs typeface="Arial" panose="020B0604020202020204" pitchFamily="34" charset="0"/>
+              </a:rPr>
+              <a:t>anh</a:t>
+            </a:r>
+            <a:r>
+              <a:rPr lang="en-US" sz="2400" dirty="0">
+                <a:latin typeface="Arial" panose="020B0604020202020204" pitchFamily="34" charset="0"/>
+                <a:cs typeface="Arial" panose="020B0604020202020204" pitchFamily="34" charset="0"/>
+              </a:rPr>
+              <a:t> </a:t>
+            </a:r>
+            <a:r>
+              <a:rPr lang="en-US" sz="2400" dirty="0" err="1">
+                <a:latin typeface="Arial" panose="020B0604020202020204" pitchFamily="34" charset="0"/>
+                <a:cs typeface="Arial" panose="020B0604020202020204" pitchFamily="34" charset="0"/>
+              </a:rPr>
+              <a:t>hùng</a:t>
+            </a:r>
+            <a:r>
+              <a:rPr lang="en-US" sz="2400" dirty="0">
+                <a:latin typeface="Arial" panose="020B0604020202020204" pitchFamily="34" charset="0"/>
+                <a:cs typeface="Arial" panose="020B0604020202020204" pitchFamily="34" charset="0"/>
+              </a:rPr>
+              <a:t>.</a:t>
             </a:r>
           </a:p>
           <a:p>
@@ -7547,6 +7678,48 @@
                 <a:latin typeface="Arial" panose="020B0604020202020204" pitchFamily="34" charset="0"/>
                 <a:cs typeface="Arial" panose="020B0604020202020204" pitchFamily="34" charset="0"/>
               </a:rPr>
+              <a:t>, hiệu </a:t>
+            </a:r>
+            <a:r>
+              <a:rPr lang="en-US" sz="2400" dirty="0" err="1">
+                <a:latin typeface="Arial" panose="020B0604020202020204" pitchFamily="34" charset="0"/>
+                <a:cs typeface="Arial" panose="020B0604020202020204" pitchFamily="34" charset="0"/>
+              </a:rPr>
+              <a:t>ứng</a:t>
+            </a:r>
+            <a:r>
+              <a:rPr lang="en-US" sz="2400" dirty="0">
+                <a:latin typeface="Arial" panose="020B0604020202020204" pitchFamily="34" charset="0"/>
+                <a:cs typeface="Arial" panose="020B0604020202020204" pitchFamily="34" charset="0"/>
+              </a:rPr>
+              <a:t> </a:t>
+            </a:r>
+            <a:r>
+              <a:rPr lang="en-US" sz="2400" dirty="0" err="1">
+                <a:latin typeface="Arial" panose="020B0604020202020204" pitchFamily="34" charset="0"/>
+                <a:cs typeface="Arial" panose="020B0604020202020204" pitchFamily="34" charset="0"/>
+              </a:rPr>
+              <a:t>kỹ</a:t>
+            </a:r>
+            <a:r>
+              <a:rPr lang="en-US" sz="2400" dirty="0">
+                <a:latin typeface="Arial" panose="020B0604020202020204" pitchFamily="34" charset="0"/>
+                <a:cs typeface="Arial" panose="020B0604020202020204" pitchFamily="34" charset="0"/>
+              </a:rPr>
+              <a:t> </a:t>
+            </a:r>
+            <a:r>
+              <a:rPr lang="en-US" sz="2400" dirty="0" err="1">
+                <a:latin typeface="Arial" panose="020B0604020202020204" pitchFamily="34" charset="0"/>
+                <a:cs typeface="Arial" panose="020B0604020202020204" pitchFamily="34" charset="0"/>
+              </a:rPr>
+              <a:t>năng</a:t>
+            </a:r>
+            <a:r>
+              <a:rPr lang="en-US" sz="2400" dirty="0">
+                <a:latin typeface="Arial" panose="020B0604020202020204" pitchFamily="34" charset="0"/>
+                <a:cs typeface="Arial" panose="020B0604020202020204" pitchFamily="34" charset="0"/>
+              </a:rPr>
               <a:t>, </a:t>
             </a:r>
             <a:r>
@@ -7554,49 +7727,21 @@
                 <a:latin typeface="Arial" panose="020B0604020202020204" pitchFamily="34" charset="0"/>
                 <a:cs typeface="Arial" panose="020B0604020202020204" pitchFamily="34" charset="0"/>
               </a:rPr>
-              <a:t>hiệu</a:t>
-            </a:r>
-            <a:r>
-              <a:rPr lang="en-US" sz="2400" dirty="0">
-                <a:latin typeface="Arial" panose="020B0604020202020204" pitchFamily="34" charset="0"/>
-                <a:cs typeface="Arial" panose="020B0604020202020204" pitchFamily="34" charset="0"/>
-              </a:rPr>
-              <a:t> </a:t>
-            </a:r>
-            <a:r>
-              <a:rPr lang="en-US" sz="2400" dirty="0" err="1">
-                <a:latin typeface="Arial" panose="020B0604020202020204" pitchFamily="34" charset="0"/>
-                <a:cs typeface="Arial" panose="020B0604020202020204" pitchFamily="34" charset="0"/>
-              </a:rPr>
-              <a:t>ứng</a:t>
-            </a:r>
-            <a:r>
-              <a:rPr lang="en-US" sz="2400" dirty="0">
-                <a:latin typeface="Arial" panose="020B0604020202020204" pitchFamily="34" charset="0"/>
-                <a:cs typeface="Arial" panose="020B0604020202020204" pitchFamily="34" charset="0"/>
-              </a:rPr>
-              <a:t> </a:t>
-            </a:r>
-            <a:r>
-              <a:rPr lang="en-US" sz="2400" dirty="0" err="1">
-                <a:latin typeface="Arial" panose="020B0604020202020204" pitchFamily="34" charset="0"/>
-                <a:cs typeface="Arial" panose="020B0604020202020204" pitchFamily="34" charset="0"/>
-              </a:rPr>
-              <a:t>kỹ</a:t>
-            </a:r>
-            <a:r>
-              <a:rPr lang="en-US" sz="2400" dirty="0">
-                <a:latin typeface="Arial" panose="020B0604020202020204" pitchFamily="34" charset="0"/>
-                <a:cs typeface="Arial" panose="020B0604020202020204" pitchFamily="34" charset="0"/>
-              </a:rPr>
-              <a:t> </a:t>
-            </a:r>
-            <a:r>
-              <a:rPr lang="en-US" sz="2400" dirty="0" err="1">
-                <a:latin typeface="Arial" panose="020B0604020202020204" pitchFamily="34" charset="0"/>
-                <a:cs typeface="Arial" panose="020B0604020202020204" pitchFamily="34" charset="0"/>
-              </a:rPr>
-              <a:t>năng</a:t>
+              <a:t>thuộc</a:t>
+            </a:r>
+            <a:r>
+              <a:rPr lang="en-US" sz="2400" dirty="0">
+                <a:latin typeface="Arial" panose="020B0604020202020204" pitchFamily="34" charset="0"/>
+                <a:cs typeface="Arial" panose="020B0604020202020204" pitchFamily="34" charset="0"/>
+              </a:rPr>
+              <a:t> </a:t>
+            </a:r>
+            <a:r>
+              <a:rPr lang="en-US" sz="2400" dirty="0" err="1">
+                <a:latin typeface="Arial" panose="020B0604020202020204" pitchFamily="34" charset="0"/>
+                <a:cs typeface="Arial" panose="020B0604020202020204" pitchFamily="34" charset="0"/>
+              </a:rPr>
+              <a:t>tính</a:t>
             </a:r>
             <a:r>
               <a:rPr lang="en-US" sz="2400" dirty="0">
@@ -7808,13 +7953,13 @@
   <p:clrMapOvr>
     <a:masterClrMapping/>
   </p:clrMapOvr>
-  <mc:AlternateContent xmlns:mc="http://schemas.openxmlformats.org/markup-compatibility/2006">
-    <mc:Choice xmlns:p159="http://schemas.microsoft.com/office/powerpoint/2015/09/main" Requires="p159">
+  <mc:AlternateContent xmlns:mc="http://schemas.openxmlformats.org/markup-compatibility/2006" xmlns:p159="http://schemas.microsoft.com/office/powerpoint/2015/09/main">
+    <mc:Choice Requires="p159">
       <p:transition xmlns:p14="http://schemas.microsoft.com/office/powerpoint/2010/main" spd="slow" p14:dur="2000">
         <p159:morph option="byObject"/>
       </p:transition>
     </mc:Choice>
-    <mc:Fallback>
+    <mc:Fallback xmlns="">
       <p:transition spd="slow">
         <p:fade/>
       </p:transition>
@@ -8169,7 +8314,7 @@
         <p:spPr>
           <a:xfrm>
             <a:off x="1730618" y="1923914"/>
-            <a:ext cx="8292613" cy="3493264"/>
+            <a:ext cx="8292613" cy="3862596"/>
           </a:xfrm>
           <a:prstGeom prst="rect">
             <a:avLst/>
@@ -8977,7 +9122,7 @@
                 <a:latin typeface="Arial" panose="020B0604020202020204" pitchFamily="34" charset="0"/>
                 <a:cs typeface="Arial" panose="020B0604020202020204" pitchFamily="34" charset="0"/>
               </a:rPr>
-              <a:t> 3 </a:t>
+              <a:t> 5-15 </a:t>
             </a:r>
             <a:r>
               <a:rPr lang="en-US" sz="2400" dirty="0" err="1">
@@ -9467,7 +9612,21 @@
                 <a:latin typeface="Arial" panose="020B0604020202020204" pitchFamily="34" charset="0"/>
                 <a:cs typeface="Arial" panose="020B0604020202020204" pitchFamily="34" charset="0"/>
               </a:rPr>
-              <a:t> tang </a:t>
+              <a:t> </a:t>
+            </a:r>
+            <a:r>
+              <a:rPr lang="en-US" sz="2400" dirty="0" err="1">
+                <a:latin typeface="Arial" panose="020B0604020202020204" pitchFamily="34" charset="0"/>
+                <a:cs typeface="Arial" panose="020B0604020202020204" pitchFamily="34" charset="0"/>
+              </a:rPr>
+              <a:t>tăng</a:t>
+            </a:r>
+            <a:r>
+              <a:rPr lang="en-US" sz="2400" dirty="0">
+                <a:latin typeface="Arial" panose="020B0604020202020204" pitchFamily="34" charset="0"/>
+                <a:cs typeface="Arial" panose="020B0604020202020204" pitchFamily="34" charset="0"/>
+              </a:rPr>
+              <a:t> </a:t>
             </a:r>
             <a:r>
               <a:rPr lang="en-US" sz="2400" dirty="0" err="1">
@@ -9475,6 +9634,90 @@
                 <a:cs typeface="Arial" panose="020B0604020202020204" pitchFamily="34" charset="0"/>
               </a:rPr>
               <a:t>máu</a:t>
+            </a:r>
+            <a:r>
+              <a:rPr lang="en-US" sz="2400" dirty="0">
+                <a:latin typeface="Arial" panose="020B0604020202020204" pitchFamily="34" charset="0"/>
+                <a:cs typeface="Arial" panose="020B0604020202020204" pitchFamily="34" charset="0"/>
+              </a:rPr>
+              <a:t>, </a:t>
+            </a:r>
+            <a:r>
+              <a:rPr lang="en-US" sz="2400" dirty="0" err="1">
+                <a:latin typeface="Arial" panose="020B0604020202020204" pitchFamily="34" charset="0"/>
+                <a:cs typeface="Arial" panose="020B0604020202020204" pitchFamily="34" charset="0"/>
+              </a:rPr>
+              <a:t>tấn</a:t>
+            </a:r>
+            <a:r>
+              <a:rPr lang="en-US" sz="2400" dirty="0">
+                <a:latin typeface="Arial" panose="020B0604020202020204" pitchFamily="34" charset="0"/>
+                <a:cs typeface="Arial" panose="020B0604020202020204" pitchFamily="34" charset="0"/>
+              </a:rPr>
+              <a:t> </a:t>
+            </a:r>
+            <a:r>
+              <a:rPr lang="en-US" sz="2400" dirty="0" err="1">
+                <a:latin typeface="Arial" panose="020B0604020202020204" pitchFamily="34" charset="0"/>
+                <a:cs typeface="Arial" panose="020B0604020202020204" pitchFamily="34" charset="0"/>
+              </a:rPr>
+              <a:t>công</a:t>
+            </a:r>
+            <a:r>
+              <a:rPr lang="en-US" sz="2400" dirty="0">
+                <a:latin typeface="Arial" panose="020B0604020202020204" pitchFamily="34" charset="0"/>
+                <a:cs typeface="Arial" panose="020B0604020202020204" pitchFamily="34" charset="0"/>
+              </a:rPr>
+              <a:t> </a:t>
+            </a:r>
+            <a:r>
+              <a:rPr lang="en-US" sz="2400" dirty="0" err="1">
+                <a:latin typeface="Arial" panose="020B0604020202020204" pitchFamily="34" charset="0"/>
+                <a:cs typeface="Arial" panose="020B0604020202020204" pitchFamily="34" charset="0"/>
+              </a:rPr>
+              <a:t>và</a:t>
+            </a:r>
+            <a:r>
+              <a:rPr lang="en-US" sz="2400" dirty="0">
+                <a:latin typeface="Arial" panose="020B0604020202020204" pitchFamily="34" charset="0"/>
+                <a:cs typeface="Arial" panose="020B0604020202020204" pitchFamily="34" charset="0"/>
+              </a:rPr>
+              <a:t> </a:t>
+            </a:r>
+            <a:r>
+              <a:rPr lang="en-US" sz="2400" dirty="0" err="1">
+                <a:latin typeface="Arial" panose="020B0604020202020204" pitchFamily="34" charset="0"/>
+                <a:cs typeface="Arial" panose="020B0604020202020204" pitchFamily="34" charset="0"/>
+              </a:rPr>
+              <a:t>tốc</a:t>
+            </a:r>
+            <a:r>
+              <a:rPr lang="en-US" sz="2400" dirty="0">
+                <a:latin typeface="Arial" panose="020B0604020202020204" pitchFamily="34" charset="0"/>
+                <a:cs typeface="Arial" panose="020B0604020202020204" pitchFamily="34" charset="0"/>
+              </a:rPr>
+              <a:t> </a:t>
+            </a:r>
+            <a:r>
+              <a:rPr lang="en-US" sz="2400" dirty="0" err="1">
+                <a:latin typeface="Arial" panose="020B0604020202020204" pitchFamily="34" charset="0"/>
+                <a:cs typeface="Arial" panose="020B0604020202020204" pitchFamily="34" charset="0"/>
+              </a:rPr>
+              <a:t>độ</a:t>
+            </a:r>
+            <a:r>
+              <a:rPr lang="en-US" sz="2400" dirty="0">
+                <a:latin typeface="Arial" panose="020B0604020202020204" pitchFamily="34" charset="0"/>
+                <a:cs typeface="Arial" panose="020B0604020202020204" pitchFamily="34" charset="0"/>
+              </a:rPr>
+              <a:t> </a:t>
+            </a:r>
+            <a:r>
+              <a:rPr lang="en-US" sz="2400" dirty="0" err="1">
+                <a:latin typeface="Arial" panose="020B0604020202020204" pitchFamily="34" charset="0"/>
+                <a:cs typeface="Arial" panose="020B0604020202020204" pitchFamily="34" charset="0"/>
+              </a:rPr>
+              <a:t>chạy</a:t>
             </a:r>
             <a:r>
               <a:rPr lang="en-US" sz="2400" dirty="0">
@@ -9574,13 +9817,13 @@
   <p:clrMapOvr>
     <a:masterClrMapping/>
   </p:clrMapOvr>
-  <mc:AlternateContent xmlns:mc="http://schemas.openxmlformats.org/markup-compatibility/2006">
-    <mc:Choice xmlns:p159="http://schemas.microsoft.com/office/powerpoint/2015/09/main" Requires="p159">
+  <mc:AlternateContent xmlns:mc="http://schemas.openxmlformats.org/markup-compatibility/2006" xmlns:p159="http://schemas.microsoft.com/office/powerpoint/2015/09/main">
+    <mc:Choice Requires="p159">
       <p:transition xmlns:p14="http://schemas.microsoft.com/office/powerpoint/2010/main" spd="slow" p14:dur="2000">
         <p159:morph option="byObject"/>
       </p:transition>
     </mc:Choice>
-    <mc:Fallback>
+    <mc:Fallback xmlns="">
       <p:transition spd="slow">
         <p:fade/>
       </p:transition>
@@ -9886,7 +10129,7 @@
         <p:spPr>
           <a:xfrm>
             <a:off x="1730618" y="1923914"/>
-            <a:ext cx="8292613" cy="2908489"/>
+            <a:ext cx="8292613" cy="4093428"/>
           </a:xfrm>
           <a:prstGeom prst="rect">
             <a:avLst/>
@@ -9911,7 +10154,91 @@
                 <a:latin typeface="Arial" panose="020B0604020202020204" pitchFamily="34" charset="0"/>
                 <a:cs typeface="Arial" panose="020B0604020202020204" pitchFamily="34" charset="0"/>
               </a:rPr>
-              <a:t>Hero </a:t>
+              <a:t>Khi </a:t>
+            </a:r>
+            <a:r>
+              <a:rPr lang="en-US" sz="2400" dirty="0" err="1">
+                <a:latin typeface="Arial" panose="020B0604020202020204" pitchFamily="34" charset="0"/>
+                <a:cs typeface="Arial" panose="020B0604020202020204" pitchFamily="34" charset="0"/>
+              </a:rPr>
+              <a:t>giết</a:t>
+            </a:r>
+            <a:r>
+              <a:rPr lang="en-US" sz="2400" dirty="0">
+                <a:latin typeface="Arial" panose="020B0604020202020204" pitchFamily="34" charset="0"/>
+                <a:cs typeface="Arial" panose="020B0604020202020204" pitchFamily="34" charset="0"/>
+              </a:rPr>
+              <a:t> </a:t>
+            </a:r>
+            <a:r>
+              <a:rPr lang="en-US" sz="2400" dirty="0" err="1">
+                <a:latin typeface="Arial" panose="020B0604020202020204" pitchFamily="34" charset="0"/>
+                <a:cs typeface="Arial" panose="020B0604020202020204" pitchFamily="34" charset="0"/>
+              </a:rPr>
+              <a:t>được</a:t>
+            </a:r>
+            <a:r>
+              <a:rPr lang="en-US" sz="2400" dirty="0">
+                <a:latin typeface="Arial" panose="020B0604020202020204" pitchFamily="34" charset="0"/>
+                <a:cs typeface="Arial" panose="020B0604020202020204" pitchFamily="34" charset="0"/>
+              </a:rPr>
+              <a:t> </a:t>
+            </a:r>
+            <a:r>
+              <a:rPr lang="en-US" sz="2400" dirty="0" err="1">
+                <a:latin typeface="Arial" panose="020B0604020202020204" pitchFamily="34" charset="0"/>
+                <a:cs typeface="Arial" panose="020B0604020202020204" pitchFamily="34" charset="0"/>
+              </a:rPr>
+              <a:t>một</a:t>
+            </a:r>
+            <a:r>
+              <a:rPr lang="en-US" sz="2400" dirty="0">
+                <a:latin typeface="Arial" panose="020B0604020202020204" pitchFamily="34" charset="0"/>
+                <a:cs typeface="Arial" panose="020B0604020202020204" pitchFamily="34" charset="0"/>
+              </a:rPr>
+              <a:t> </a:t>
+            </a:r>
+            <a:r>
+              <a:rPr lang="en-US" sz="2400" dirty="0" err="1">
+                <a:latin typeface="Arial" panose="020B0604020202020204" pitchFamily="34" charset="0"/>
+                <a:cs typeface="Arial" panose="020B0604020202020204" pitchFamily="34" charset="0"/>
+              </a:rPr>
+              <a:t>kẻ</a:t>
+            </a:r>
+            <a:r>
+              <a:rPr lang="en-US" sz="2400" dirty="0">
+                <a:latin typeface="Arial" panose="020B0604020202020204" pitchFamily="34" charset="0"/>
+                <a:cs typeface="Arial" panose="020B0604020202020204" pitchFamily="34" charset="0"/>
+              </a:rPr>
+              <a:t> </a:t>
+            </a:r>
+            <a:r>
+              <a:rPr lang="en-US" sz="2400" dirty="0" err="1">
+                <a:latin typeface="Arial" panose="020B0604020202020204" pitchFamily="34" charset="0"/>
+                <a:cs typeface="Arial" panose="020B0604020202020204" pitchFamily="34" charset="0"/>
+              </a:rPr>
+              <a:t>phản</a:t>
+            </a:r>
+            <a:r>
+              <a:rPr lang="en-US" sz="2400" dirty="0">
+                <a:latin typeface="Arial" panose="020B0604020202020204" pitchFamily="34" charset="0"/>
+                <a:cs typeface="Arial" panose="020B0604020202020204" pitchFamily="34" charset="0"/>
+              </a:rPr>
+              <a:t> </a:t>
+            </a:r>
+            <a:r>
+              <a:rPr lang="en-US" sz="2400" dirty="0" err="1">
+                <a:latin typeface="Arial" panose="020B0604020202020204" pitchFamily="34" charset="0"/>
+                <a:cs typeface="Arial" panose="020B0604020202020204" pitchFamily="34" charset="0"/>
+              </a:rPr>
+              <a:t>diện</a:t>
+            </a:r>
+            <a:r>
+              <a:rPr lang="en-US" sz="2400" dirty="0">
+                <a:latin typeface="Arial" panose="020B0604020202020204" pitchFamily="34" charset="0"/>
+                <a:cs typeface="Arial" panose="020B0604020202020204" pitchFamily="34" charset="0"/>
+              </a:rPr>
+              <a:t>, hero cũng </a:t>
             </a:r>
             <a:r>
               <a:rPr lang="en-US" sz="2400" dirty="0" err="1">
@@ -9932,7 +10259,105 @@
                 <a:latin typeface="Arial" panose="020B0604020202020204" pitchFamily="34" charset="0"/>
                 <a:cs typeface="Arial" panose="020B0604020202020204" pitchFamily="34" charset="0"/>
               </a:rPr>
-              <a:t>thể</a:t>
+              <a:t>xác</a:t>
+            </a:r>
+            <a:r>
+              <a:rPr lang="en-US" sz="2400" dirty="0">
+                <a:latin typeface="Arial" panose="020B0604020202020204" pitchFamily="34" charset="0"/>
+                <a:cs typeface="Arial" panose="020B0604020202020204" pitchFamily="34" charset="0"/>
+              </a:rPr>
+              <a:t> </a:t>
+            </a:r>
+            <a:r>
+              <a:rPr lang="en-US" sz="2400" dirty="0" err="1">
+                <a:latin typeface="Arial" panose="020B0604020202020204" pitchFamily="34" charset="0"/>
+                <a:cs typeface="Arial" panose="020B0604020202020204" pitchFamily="34" charset="0"/>
+              </a:rPr>
+              <a:t>suất</a:t>
+            </a:r>
+            <a:r>
+              <a:rPr lang="en-US" sz="2400" dirty="0">
+                <a:latin typeface="Arial" panose="020B0604020202020204" pitchFamily="34" charset="0"/>
+                <a:cs typeface="Arial" panose="020B0604020202020204" pitchFamily="34" charset="0"/>
+              </a:rPr>
+              <a:t> </a:t>
+            </a:r>
+            <a:r>
+              <a:rPr lang="en-US" sz="2400" dirty="0" err="1">
+                <a:latin typeface="Arial" panose="020B0604020202020204" pitchFamily="34" charset="0"/>
+                <a:cs typeface="Arial" panose="020B0604020202020204" pitchFamily="34" charset="0"/>
+              </a:rPr>
+              <a:t>nhận</a:t>
+            </a:r>
+            <a:r>
+              <a:rPr lang="en-US" sz="2400" dirty="0">
+                <a:latin typeface="Arial" panose="020B0604020202020204" pitchFamily="34" charset="0"/>
+                <a:cs typeface="Arial" panose="020B0604020202020204" pitchFamily="34" charset="0"/>
+              </a:rPr>
+              <a:t> </a:t>
+            </a:r>
+            <a:r>
+              <a:rPr lang="en-US" sz="2400" dirty="0" err="1">
+                <a:latin typeface="Arial" panose="020B0604020202020204" pitchFamily="34" charset="0"/>
+                <a:cs typeface="Arial" panose="020B0604020202020204" pitchFamily="34" charset="0"/>
+              </a:rPr>
+              <a:t>được</a:t>
+            </a:r>
+            <a:r>
+              <a:rPr lang="en-US" sz="2400" dirty="0">
+                <a:latin typeface="Arial" panose="020B0604020202020204" pitchFamily="34" charset="0"/>
+                <a:cs typeface="Arial" panose="020B0604020202020204" pitchFamily="34" charset="0"/>
+              </a:rPr>
+              <a:t> </a:t>
+            </a:r>
+            <a:r>
+              <a:rPr lang="en-US" sz="2400" dirty="0" err="1">
+                <a:latin typeface="Arial" panose="020B0604020202020204" pitchFamily="34" charset="0"/>
+                <a:cs typeface="Arial" panose="020B0604020202020204" pitchFamily="34" charset="0"/>
+              </a:rPr>
+              <a:t>chiến</a:t>
+            </a:r>
+            <a:r>
+              <a:rPr lang="en-US" sz="2400" dirty="0">
+                <a:latin typeface="Arial" panose="020B0604020202020204" pitchFamily="34" charset="0"/>
+                <a:cs typeface="Arial" panose="020B0604020202020204" pitchFamily="34" charset="0"/>
+              </a:rPr>
+              <a:t> </a:t>
+            </a:r>
+            <a:r>
+              <a:rPr lang="en-US" sz="2400" dirty="0" err="1">
+                <a:latin typeface="Arial" panose="020B0604020202020204" pitchFamily="34" charset="0"/>
+                <a:cs typeface="Arial" panose="020B0604020202020204" pitchFamily="34" charset="0"/>
+              </a:rPr>
+              <a:t>lợi</a:t>
+            </a:r>
+            <a:r>
+              <a:rPr lang="en-US" sz="2400" dirty="0">
+                <a:latin typeface="Arial" panose="020B0604020202020204" pitchFamily="34" charset="0"/>
+                <a:cs typeface="Arial" panose="020B0604020202020204" pitchFamily="34" charset="0"/>
+              </a:rPr>
+              <a:t> </a:t>
+            </a:r>
+            <a:r>
+              <a:rPr lang="en-US" sz="2400" dirty="0" err="1">
+                <a:latin typeface="Arial" panose="020B0604020202020204" pitchFamily="34" charset="0"/>
+                <a:cs typeface="Arial" panose="020B0604020202020204" pitchFamily="34" charset="0"/>
+              </a:rPr>
+              <a:t>phẩm</a:t>
+            </a:r>
+            <a:r>
+              <a:rPr lang="en-US" sz="2400" dirty="0">
+                <a:latin typeface="Arial" panose="020B0604020202020204" pitchFamily="34" charset="0"/>
+                <a:cs typeface="Arial" panose="020B0604020202020204" pitchFamily="34" charset="0"/>
+              </a:rPr>
+              <a:t>: </a:t>
+            </a:r>
+            <a:r>
+              <a:rPr lang="en-US" sz="2400" dirty="0" err="1">
+                <a:latin typeface="Arial" panose="020B0604020202020204" pitchFamily="34" charset="0"/>
+                <a:cs typeface="Arial" panose="020B0604020202020204" pitchFamily="34" charset="0"/>
+              </a:rPr>
+              <a:t>gia</a:t>
             </a:r>
             <a:r>
               <a:rPr lang="en-US" sz="2400" dirty="0">
@@ -9960,21 +10385,63 @@
                 <a:latin typeface="Arial" panose="020B0604020202020204" pitchFamily="34" charset="0"/>
                 <a:cs typeface="Arial" panose="020B0604020202020204" pitchFamily="34" charset="0"/>
               </a:rPr>
-              <a:t>tốc</a:t>
-            </a:r>
-            <a:r>
-              <a:rPr lang="en-US" sz="2400" dirty="0">
-                <a:latin typeface="Arial" panose="020B0604020202020204" pitchFamily="34" charset="0"/>
-                <a:cs typeface="Arial" panose="020B0604020202020204" pitchFamily="34" charset="0"/>
-              </a:rPr>
-              <a:t> </a:t>
-            </a:r>
-            <a:r>
-              <a:rPr lang="en-US" sz="2400" dirty="0" err="1">
-                <a:latin typeface="Arial" panose="020B0604020202020204" pitchFamily="34" charset="0"/>
-                <a:cs typeface="Arial" panose="020B0604020202020204" pitchFamily="34" charset="0"/>
-              </a:rPr>
-              <a:t>chạy</a:t>
+              <a:t>máu</a:t>
+            </a:r>
+            <a:r>
+              <a:rPr lang="en-US" sz="2400" dirty="0">
+                <a:latin typeface="Arial" panose="020B0604020202020204" pitchFamily="34" charset="0"/>
+                <a:cs typeface="Arial" panose="020B0604020202020204" pitchFamily="34" charset="0"/>
+              </a:rPr>
+              <a:t> hoặc </a:t>
+            </a:r>
+            <a:r>
+              <a:rPr lang="en-US" sz="2400" dirty="0" err="1">
+                <a:latin typeface="Arial" panose="020B0604020202020204" pitchFamily="34" charset="0"/>
+                <a:cs typeface="Arial" panose="020B0604020202020204" pitchFamily="34" charset="0"/>
+              </a:rPr>
+              <a:t>tăng</a:t>
+            </a:r>
+            <a:r>
+              <a:rPr lang="en-US" sz="2400" dirty="0">
+                <a:latin typeface="Arial" panose="020B0604020202020204" pitchFamily="34" charset="0"/>
+                <a:cs typeface="Arial" panose="020B0604020202020204" pitchFamily="34" charset="0"/>
+              </a:rPr>
+              <a:t> </a:t>
+            </a:r>
+            <a:r>
+              <a:rPr lang="en-US" sz="2400" dirty="0" err="1">
+                <a:latin typeface="Arial" panose="020B0604020202020204" pitchFamily="34" charset="0"/>
+                <a:cs typeface="Arial" panose="020B0604020202020204" pitchFamily="34" charset="0"/>
+              </a:rPr>
+              <a:t>sức</a:t>
+            </a:r>
+            <a:r>
+              <a:rPr lang="en-US" sz="2400" dirty="0">
+                <a:latin typeface="Arial" panose="020B0604020202020204" pitchFamily="34" charset="0"/>
+                <a:cs typeface="Arial" panose="020B0604020202020204" pitchFamily="34" charset="0"/>
+              </a:rPr>
+              <a:t> </a:t>
+            </a:r>
+            <a:r>
+              <a:rPr lang="en-US" sz="2400" dirty="0" err="1">
+                <a:latin typeface="Arial" panose="020B0604020202020204" pitchFamily="34" charset="0"/>
+                <a:cs typeface="Arial" panose="020B0604020202020204" pitchFamily="34" charset="0"/>
+              </a:rPr>
+              <a:t>tấn</a:t>
+            </a:r>
+            <a:r>
+              <a:rPr lang="en-US" sz="2400" dirty="0">
+                <a:latin typeface="Arial" panose="020B0604020202020204" pitchFamily="34" charset="0"/>
+                <a:cs typeface="Arial" panose="020B0604020202020204" pitchFamily="34" charset="0"/>
+              </a:rPr>
+              <a:t> </a:t>
+            </a:r>
+            <a:r>
+              <a:rPr lang="en-US" sz="2400" dirty="0" err="1">
+                <a:latin typeface="Arial" panose="020B0604020202020204" pitchFamily="34" charset="0"/>
+                <a:cs typeface="Arial" panose="020B0604020202020204" pitchFamily="34" charset="0"/>
+              </a:rPr>
+              <a:t>công</a:t>
             </a:r>
             <a:r>
               <a:rPr lang="en-US" sz="2400" dirty="0">
@@ -9995,21 +10462,7 @@
                 <a:latin typeface="Arial" panose="020B0604020202020204" pitchFamily="34" charset="0"/>
                 <a:cs typeface="Arial" panose="020B0604020202020204" pitchFamily="34" charset="0"/>
               </a:rPr>
-              <a:t> </a:t>
-            </a:r>
-            <a:r>
-              <a:rPr lang="en-US" sz="2400" dirty="0" err="1">
-                <a:latin typeface="Arial" panose="020B0604020202020204" pitchFamily="34" charset="0"/>
-                <a:cs typeface="Arial" panose="020B0604020202020204" pitchFamily="34" charset="0"/>
-              </a:rPr>
-              <a:t>bản</a:t>
-            </a:r>
-            <a:r>
-              <a:rPr lang="en-US" sz="2400" dirty="0">
-                <a:latin typeface="Arial" panose="020B0604020202020204" pitchFamily="34" charset="0"/>
-                <a:cs typeface="Arial" panose="020B0604020202020204" pitchFamily="34" charset="0"/>
-              </a:rPr>
-              <a:t> </a:t>
+              <a:t> bản </a:t>
             </a:r>
             <a:r>
               <a:rPr lang="en-US" sz="2400" dirty="0" err="1">
@@ -10017,356 +10470,6 @@
                 <a:cs typeface="Arial" panose="020B0604020202020204" pitchFamily="34" charset="0"/>
               </a:rPr>
               <a:t>thân</a:t>
-            </a:r>
-            <a:r>
-              <a:rPr lang="en-US" sz="2400" dirty="0">
-                <a:latin typeface="Arial" panose="020B0604020202020204" pitchFamily="34" charset="0"/>
-                <a:cs typeface="Arial" panose="020B0604020202020204" pitchFamily="34" charset="0"/>
-              </a:rPr>
-              <a:t> trong 5 </a:t>
-            </a:r>
-            <a:r>
-              <a:rPr lang="en-US" sz="2400" dirty="0" err="1">
-                <a:latin typeface="Arial" panose="020B0604020202020204" pitchFamily="34" charset="0"/>
-                <a:cs typeface="Arial" panose="020B0604020202020204" pitchFamily="34" charset="0"/>
-              </a:rPr>
-              <a:t>giây</a:t>
-            </a:r>
-            <a:r>
-              <a:rPr lang="en-US" sz="2400" dirty="0">
-                <a:latin typeface="Arial" panose="020B0604020202020204" pitchFamily="34" charset="0"/>
-                <a:cs typeface="Arial" panose="020B0604020202020204" pitchFamily="34" charset="0"/>
-              </a:rPr>
-              <a:t>, </a:t>
-            </a:r>
-            <a:r>
-              <a:rPr lang="en-US" sz="2400" dirty="0" err="1">
-                <a:latin typeface="Arial" panose="020B0604020202020204" pitchFamily="34" charset="0"/>
-                <a:cs typeface="Arial" panose="020B0604020202020204" pitchFamily="34" charset="0"/>
-              </a:rPr>
-              <a:t>sau</a:t>
-            </a:r>
-            <a:r>
-              <a:rPr lang="en-US" sz="2400" dirty="0">
-                <a:latin typeface="Arial" panose="020B0604020202020204" pitchFamily="34" charset="0"/>
-                <a:cs typeface="Arial" panose="020B0604020202020204" pitchFamily="34" charset="0"/>
-              </a:rPr>
-              <a:t> </a:t>
-            </a:r>
-            <a:r>
-              <a:rPr lang="en-US" sz="2400" dirty="0" err="1">
-                <a:latin typeface="Arial" panose="020B0604020202020204" pitchFamily="34" charset="0"/>
-                <a:cs typeface="Arial" panose="020B0604020202020204" pitchFamily="34" charset="0"/>
-              </a:rPr>
-              <a:t>đó</a:t>
-            </a:r>
-            <a:r>
-              <a:rPr lang="en-US" sz="2400" dirty="0">
-                <a:latin typeface="Arial" panose="020B0604020202020204" pitchFamily="34" charset="0"/>
-                <a:cs typeface="Arial" panose="020B0604020202020204" pitchFamily="34" charset="0"/>
-              </a:rPr>
-              <a:t> </a:t>
-            </a:r>
-            <a:r>
-              <a:rPr lang="en-US" sz="2400" dirty="0" err="1">
-                <a:latin typeface="Arial" panose="020B0604020202020204" pitchFamily="34" charset="0"/>
-                <a:cs typeface="Arial" panose="020B0604020202020204" pitchFamily="34" charset="0"/>
-              </a:rPr>
-              <a:t>sẽ</a:t>
-            </a:r>
-            <a:r>
-              <a:rPr lang="en-US" sz="2400" dirty="0">
-                <a:latin typeface="Arial" panose="020B0604020202020204" pitchFamily="34" charset="0"/>
-                <a:cs typeface="Arial" panose="020B0604020202020204" pitchFamily="34" charset="0"/>
-              </a:rPr>
-              <a:t> </a:t>
-            </a:r>
-            <a:r>
-              <a:rPr lang="en-US" sz="2400" dirty="0" err="1">
-                <a:latin typeface="Arial" panose="020B0604020202020204" pitchFamily="34" charset="0"/>
-                <a:cs typeface="Arial" panose="020B0604020202020204" pitchFamily="34" charset="0"/>
-              </a:rPr>
-              <a:t>trở</a:t>
-            </a:r>
-            <a:r>
-              <a:rPr lang="en-US" sz="2400" dirty="0">
-                <a:latin typeface="Arial" panose="020B0604020202020204" pitchFamily="34" charset="0"/>
-                <a:cs typeface="Arial" panose="020B0604020202020204" pitchFamily="34" charset="0"/>
-              </a:rPr>
-              <a:t> </a:t>
-            </a:r>
-            <a:r>
-              <a:rPr lang="en-US" sz="2400" dirty="0" err="1">
-                <a:latin typeface="Arial" panose="020B0604020202020204" pitchFamily="34" charset="0"/>
-                <a:cs typeface="Arial" panose="020B0604020202020204" pitchFamily="34" charset="0"/>
-              </a:rPr>
-              <a:t>về</a:t>
-            </a:r>
-            <a:r>
-              <a:rPr lang="en-US" sz="2400" dirty="0">
-                <a:latin typeface="Arial" panose="020B0604020202020204" pitchFamily="34" charset="0"/>
-                <a:cs typeface="Arial" panose="020B0604020202020204" pitchFamily="34" charset="0"/>
-              </a:rPr>
-              <a:t> </a:t>
-            </a:r>
-            <a:r>
-              <a:rPr lang="en-US" sz="2400" dirty="0" err="1">
-                <a:latin typeface="Arial" panose="020B0604020202020204" pitchFamily="34" charset="0"/>
-                <a:cs typeface="Arial" panose="020B0604020202020204" pitchFamily="34" charset="0"/>
-              </a:rPr>
-              <a:t>trạng</a:t>
-            </a:r>
-            <a:r>
-              <a:rPr lang="en-US" sz="2400" dirty="0">
-                <a:latin typeface="Arial" panose="020B0604020202020204" pitchFamily="34" charset="0"/>
-                <a:cs typeface="Arial" panose="020B0604020202020204" pitchFamily="34" charset="0"/>
-              </a:rPr>
-              <a:t> </a:t>
-            </a:r>
-            <a:r>
-              <a:rPr lang="en-US" sz="2400" dirty="0" err="1">
-                <a:latin typeface="Arial" panose="020B0604020202020204" pitchFamily="34" charset="0"/>
-                <a:cs typeface="Arial" panose="020B0604020202020204" pitchFamily="34" charset="0"/>
-              </a:rPr>
-              <a:t>thái</a:t>
-            </a:r>
-            <a:r>
-              <a:rPr lang="en-US" sz="2400" dirty="0">
-                <a:latin typeface="Arial" panose="020B0604020202020204" pitchFamily="34" charset="0"/>
-                <a:cs typeface="Arial" panose="020B0604020202020204" pitchFamily="34" charset="0"/>
-              </a:rPr>
-              <a:t> </a:t>
-            </a:r>
-            <a:r>
-              <a:rPr lang="en-US" sz="2400" dirty="0" err="1">
-                <a:latin typeface="Arial" panose="020B0604020202020204" pitchFamily="34" charset="0"/>
-                <a:cs typeface="Arial" panose="020B0604020202020204" pitchFamily="34" charset="0"/>
-              </a:rPr>
-              <a:t>mệt</a:t>
-            </a:r>
-            <a:r>
-              <a:rPr lang="en-US" sz="2400" dirty="0">
-                <a:latin typeface="Arial" panose="020B0604020202020204" pitchFamily="34" charset="0"/>
-                <a:cs typeface="Arial" panose="020B0604020202020204" pitchFamily="34" charset="0"/>
-              </a:rPr>
-              <a:t> </a:t>
-            </a:r>
-            <a:r>
-              <a:rPr lang="en-US" sz="2400" dirty="0" err="1">
-                <a:latin typeface="Arial" panose="020B0604020202020204" pitchFamily="34" charset="0"/>
-                <a:cs typeface="Arial" panose="020B0604020202020204" pitchFamily="34" charset="0"/>
-              </a:rPr>
-              <a:t>để</a:t>
-            </a:r>
-            <a:r>
-              <a:rPr lang="en-US" sz="2400" dirty="0">
-                <a:latin typeface="Arial" panose="020B0604020202020204" pitchFamily="34" charset="0"/>
-                <a:cs typeface="Arial" panose="020B0604020202020204" pitchFamily="34" charset="0"/>
-              </a:rPr>
-              <a:t> </a:t>
-            </a:r>
-            <a:r>
-              <a:rPr lang="en-US" sz="2400" dirty="0" err="1">
-                <a:latin typeface="Arial" panose="020B0604020202020204" pitchFamily="34" charset="0"/>
-                <a:cs typeface="Arial" panose="020B0604020202020204" pitchFamily="34" charset="0"/>
-              </a:rPr>
-              <a:t>hồi</a:t>
-            </a:r>
-            <a:r>
-              <a:rPr lang="en-US" sz="2400" dirty="0">
-                <a:latin typeface="Arial" panose="020B0604020202020204" pitchFamily="34" charset="0"/>
-                <a:cs typeface="Arial" panose="020B0604020202020204" pitchFamily="34" charset="0"/>
-              </a:rPr>
-              <a:t> </a:t>
-            </a:r>
-            <a:r>
-              <a:rPr lang="en-US" sz="2400" dirty="0" err="1">
-                <a:latin typeface="Arial" panose="020B0604020202020204" pitchFamily="34" charset="0"/>
-                <a:cs typeface="Arial" panose="020B0604020202020204" pitchFamily="34" charset="0"/>
-              </a:rPr>
-              <a:t>sức</a:t>
-            </a:r>
-            <a:r>
-              <a:rPr lang="en-US" sz="2400" dirty="0">
-                <a:latin typeface="Arial" panose="020B0604020202020204" pitchFamily="34" charset="0"/>
-                <a:cs typeface="Arial" panose="020B0604020202020204" pitchFamily="34" charset="0"/>
-              </a:rPr>
-              <a:t>. Trong </a:t>
-            </a:r>
-            <a:r>
-              <a:rPr lang="en-US" sz="2400" dirty="0" err="1">
-                <a:latin typeface="Arial" panose="020B0604020202020204" pitchFamily="34" charset="0"/>
-                <a:cs typeface="Arial" panose="020B0604020202020204" pitchFamily="34" charset="0"/>
-              </a:rPr>
-              <a:t>trạng</a:t>
-            </a:r>
-            <a:r>
-              <a:rPr lang="en-US" sz="2400" dirty="0">
-                <a:latin typeface="Arial" panose="020B0604020202020204" pitchFamily="34" charset="0"/>
-                <a:cs typeface="Arial" panose="020B0604020202020204" pitchFamily="34" charset="0"/>
-              </a:rPr>
-              <a:t> </a:t>
-            </a:r>
-            <a:r>
-              <a:rPr lang="en-US" sz="2400" dirty="0" err="1">
-                <a:latin typeface="Arial" panose="020B0604020202020204" pitchFamily="34" charset="0"/>
-                <a:cs typeface="Arial" panose="020B0604020202020204" pitchFamily="34" charset="0"/>
-              </a:rPr>
-              <a:t>thái</a:t>
-            </a:r>
-            <a:r>
-              <a:rPr lang="en-US" sz="2400" dirty="0">
-                <a:latin typeface="Arial" panose="020B0604020202020204" pitchFamily="34" charset="0"/>
-                <a:cs typeface="Arial" panose="020B0604020202020204" pitchFamily="34" charset="0"/>
-              </a:rPr>
-              <a:t> </a:t>
-            </a:r>
-            <a:r>
-              <a:rPr lang="en-US" sz="2400" dirty="0" err="1">
-                <a:latin typeface="Arial" panose="020B0604020202020204" pitchFamily="34" charset="0"/>
-                <a:cs typeface="Arial" panose="020B0604020202020204" pitchFamily="34" charset="0"/>
-              </a:rPr>
-              <a:t>này</a:t>
-            </a:r>
-            <a:r>
-              <a:rPr lang="en-US" sz="2400" dirty="0">
-                <a:latin typeface="Arial" panose="020B0604020202020204" pitchFamily="34" charset="0"/>
-                <a:cs typeface="Arial" panose="020B0604020202020204" pitchFamily="34" charset="0"/>
-              </a:rPr>
-              <a:t>, hero </a:t>
-            </a:r>
-            <a:r>
-              <a:rPr lang="en-US" sz="2400" dirty="0" err="1">
-                <a:latin typeface="Arial" panose="020B0604020202020204" pitchFamily="34" charset="0"/>
-                <a:cs typeface="Arial" panose="020B0604020202020204" pitchFamily="34" charset="0"/>
-              </a:rPr>
-              <a:t>không</a:t>
-            </a:r>
-            <a:r>
-              <a:rPr lang="en-US" sz="2400" dirty="0">
-                <a:latin typeface="Arial" panose="020B0604020202020204" pitchFamily="34" charset="0"/>
-                <a:cs typeface="Arial" panose="020B0604020202020204" pitchFamily="34" charset="0"/>
-              </a:rPr>
-              <a:t> </a:t>
-            </a:r>
-            <a:r>
-              <a:rPr lang="en-US" sz="2400" dirty="0" err="1">
-                <a:latin typeface="Arial" panose="020B0604020202020204" pitchFamily="34" charset="0"/>
-                <a:cs typeface="Arial" panose="020B0604020202020204" pitchFamily="34" charset="0"/>
-              </a:rPr>
-              <a:t>thể</a:t>
-            </a:r>
-            <a:r>
-              <a:rPr lang="en-US" sz="2400" dirty="0">
-                <a:latin typeface="Arial" panose="020B0604020202020204" pitchFamily="34" charset="0"/>
-                <a:cs typeface="Arial" panose="020B0604020202020204" pitchFamily="34" charset="0"/>
-              </a:rPr>
-              <a:t> </a:t>
-            </a:r>
-            <a:r>
-              <a:rPr lang="en-US" sz="2400" dirty="0" err="1">
-                <a:latin typeface="Arial" panose="020B0604020202020204" pitchFamily="34" charset="0"/>
-                <a:cs typeface="Arial" panose="020B0604020202020204" pitchFamily="34" charset="0"/>
-              </a:rPr>
-              <a:t>tăng</a:t>
-            </a:r>
-            <a:r>
-              <a:rPr lang="en-US" sz="2400" dirty="0">
-                <a:latin typeface="Arial" panose="020B0604020202020204" pitchFamily="34" charset="0"/>
-                <a:cs typeface="Arial" panose="020B0604020202020204" pitchFamily="34" charset="0"/>
-              </a:rPr>
-              <a:t> </a:t>
-            </a:r>
-            <a:r>
-              <a:rPr lang="en-US" sz="2400" dirty="0" err="1">
-                <a:latin typeface="Arial" panose="020B0604020202020204" pitchFamily="34" charset="0"/>
-                <a:cs typeface="Arial" panose="020B0604020202020204" pitchFamily="34" charset="0"/>
-              </a:rPr>
-              <a:t>tốc</a:t>
-            </a:r>
-            <a:r>
-              <a:rPr lang="en-US" sz="2400" dirty="0">
-                <a:latin typeface="Arial" panose="020B0604020202020204" pitchFamily="34" charset="0"/>
-                <a:cs typeface="Arial" panose="020B0604020202020204" pitchFamily="34" charset="0"/>
-              </a:rPr>
-              <a:t> </a:t>
-            </a:r>
-            <a:r>
-              <a:rPr lang="en-US" sz="2400" dirty="0" err="1">
-                <a:latin typeface="Arial" panose="020B0604020202020204" pitchFamily="34" charset="0"/>
-                <a:cs typeface="Arial" panose="020B0604020202020204" pitchFamily="34" charset="0"/>
-              </a:rPr>
-              <a:t>cho</a:t>
-            </a:r>
-            <a:r>
-              <a:rPr lang="en-US" sz="2400" dirty="0">
-                <a:latin typeface="Arial" panose="020B0604020202020204" pitchFamily="34" charset="0"/>
-                <a:cs typeface="Arial" panose="020B0604020202020204" pitchFamily="34" charset="0"/>
-              </a:rPr>
-              <a:t> </a:t>
-            </a:r>
-            <a:r>
-              <a:rPr lang="en-US" sz="2400" dirty="0" err="1">
-                <a:latin typeface="Arial" panose="020B0604020202020204" pitchFamily="34" charset="0"/>
-                <a:cs typeface="Arial" panose="020B0604020202020204" pitchFamily="34" charset="0"/>
-              </a:rPr>
-              <a:t>đến</a:t>
-            </a:r>
-            <a:r>
-              <a:rPr lang="en-US" sz="2400" dirty="0">
-                <a:latin typeface="Arial" panose="020B0604020202020204" pitchFamily="34" charset="0"/>
-                <a:cs typeface="Arial" panose="020B0604020202020204" pitchFamily="34" charset="0"/>
-              </a:rPr>
-              <a:t> </a:t>
-            </a:r>
-            <a:r>
-              <a:rPr lang="en-US" sz="2400" dirty="0" err="1">
-                <a:latin typeface="Arial" panose="020B0604020202020204" pitchFamily="34" charset="0"/>
-                <a:cs typeface="Arial" panose="020B0604020202020204" pitchFamily="34" charset="0"/>
-              </a:rPr>
-              <a:t>khi</a:t>
-            </a:r>
-            <a:r>
-              <a:rPr lang="en-US" sz="2400" dirty="0">
-                <a:latin typeface="Arial" panose="020B0604020202020204" pitchFamily="34" charset="0"/>
-                <a:cs typeface="Arial" panose="020B0604020202020204" pitchFamily="34" charset="0"/>
-              </a:rPr>
-              <a:t> </a:t>
-            </a:r>
-            <a:r>
-              <a:rPr lang="en-US" sz="2400" dirty="0" err="1">
-                <a:latin typeface="Arial" panose="020B0604020202020204" pitchFamily="34" charset="0"/>
-                <a:cs typeface="Arial" panose="020B0604020202020204" pitchFamily="34" charset="0"/>
-              </a:rPr>
-              <a:t>khỏe</a:t>
-            </a:r>
-            <a:r>
-              <a:rPr lang="en-US" sz="2400" dirty="0">
-                <a:latin typeface="Arial" panose="020B0604020202020204" pitchFamily="34" charset="0"/>
-                <a:cs typeface="Arial" panose="020B0604020202020204" pitchFamily="34" charset="0"/>
-              </a:rPr>
-              <a:t> </a:t>
-            </a:r>
-            <a:r>
-              <a:rPr lang="en-US" sz="2400" dirty="0" err="1">
-                <a:latin typeface="Arial" panose="020B0604020202020204" pitchFamily="34" charset="0"/>
-                <a:cs typeface="Arial" panose="020B0604020202020204" pitchFamily="34" charset="0"/>
-              </a:rPr>
-              <a:t>trở</a:t>
-            </a:r>
-            <a:r>
-              <a:rPr lang="en-US" sz="2400" dirty="0">
-                <a:latin typeface="Arial" panose="020B0604020202020204" pitchFamily="34" charset="0"/>
-                <a:cs typeface="Arial" panose="020B0604020202020204" pitchFamily="34" charset="0"/>
-              </a:rPr>
-              <a:t> </a:t>
-            </a:r>
-            <a:r>
-              <a:rPr lang="en-US" sz="2400" dirty="0" err="1">
-                <a:latin typeface="Arial" panose="020B0604020202020204" pitchFamily="34" charset="0"/>
-                <a:cs typeface="Arial" panose="020B0604020202020204" pitchFamily="34" charset="0"/>
-              </a:rPr>
-              <a:t>lại</a:t>
             </a:r>
             <a:r>
               <a:rPr lang="en-US" sz="2400" dirty="0">
@@ -10385,18 +10488,433 @@
               <a:buChar char="Ø"/>
             </a:pPr>
             <a:r>
-              <a:rPr lang="en-US" sz="2400" dirty="0" err="1">
-                <a:latin typeface="Arial" panose="020B0604020202020204" pitchFamily="34" charset="0"/>
-                <a:cs typeface="Arial" panose="020B0604020202020204" pitchFamily="34" charset="0"/>
-              </a:rPr>
-              <a:t>Một</a:t>
-            </a:r>
-            <a:r>
-              <a:rPr lang="en-US" sz="2400" dirty="0">
-                <a:latin typeface="Arial" panose="020B0604020202020204" pitchFamily="34" charset="0"/>
-                <a:cs typeface="Arial" panose="020B0604020202020204" pitchFamily="34" charset="0"/>
-              </a:rPr>
-              <a:t> </a:t>
+              <a:rPr lang="en-US" sz="2400" dirty="0">
+                <a:latin typeface="Arial" panose="020B0604020202020204" pitchFamily="34" charset="0"/>
+                <a:cs typeface="Arial" panose="020B0604020202020204" pitchFamily="34" charset="0"/>
+              </a:rPr>
+              <a:t>Hero </a:t>
+            </a:r>
+            <a:r>
+              <a:rPr lang="en-US" sz="2400" dirty="0" err="1">
+                <a:latin typeface="Arial" panose="020B0604020202020204" pitchFamily="34" charset="0"/>
+                <a:cs typeface="Arial" panose="020B0604020202020204" pitchFamily="34" charset="0"/>
+              </a:rPr>
+              <a:t>có</a:t>
+            </a:r>
+            <a:r>
+              <a:rPr lang="en-US" sz="2400" dirty="0">
+                <a:latin typeface="Arial" panose="020B0604020202020204" pitchFamily="34" charset="0"/>
+                <a:cs typeface="Arial" panose="020B0604020202020204" pitchFamily="34" charset="0"/>
+              </a:rPr>
+              <a:t> thể </a:t>
+            </a:r>
+            <a:r>
+              <a:rPr lang="en-US" sz="2400" dirty="0" err="1">
+                <a:latin typeface="Arial" panose="020B0604020202020204" pitchFamily="34" charset="0"/>
+                <a:cs typeface="Arial" panose="020B0604020202020204" pitchFamily="34" charset="0"/>
+              </a:rPr>
+              <a:t>tăng</a:t>
+            </a:r>
+            <a:r>
+              <a:rPr lang="en-US" sz="2400" dirty="0">
+                <a:latin typeface="Arial" panose="020B0604020202020204" pitchFamily="34" charset="0"/>
+                <a:cs typeface="Arial" panose="020B0604020202020204" pitchFamily="34" charset="0"/>
+              </a:rPr>
+              <a:t> </a:t>
+            </a:r>
+            <a:r>
+              <a:rPr lang="en-US" sz="2400" dirty="0" err="1">
+                <a:latin typeface="Arial" panose="020B0604020202020204" pitchFamily="34" charset="0"/>
+                <a:cs typeface="Arial" panose="020B0604020202020204" pitchFamily="34" charset="0"/>
+              </a:rPr>
+              <a:t>tốc</a:t>
+            </a:r>
+            <a:r>
+              <a:rPr lang="en-US" sz="2400" dirty="0">
+                <a:latin typeface="Arial" panose="020B0604020202020204" pitchFamily="34" charset="0"/>
+                <a:cs typeface="Arial" panose="020B0604020202020204" pitchFamily="34" charset="0"/>
+              </a:rPr>
+              <a:t> </a:t>
+            </a:r>
+            <a:r>
+              <a:rPr lang="en-US" sz="2400" dirty="0" err="1">
+                <a:latin typeface="Arial" panose="020B0604020202020204" pitchFamily="34" charset="0"/>
+                <a:cs typeface="Arial" panose="020B0604020202020204" pitchFamily="34" charset="0"/>
+              </a:rPr>
+              <a:t>chạy</a:t>
+            </a:r>
+            <a:r>
+              <a:rPr lang="en-US" sz="2400" dirty="0">
+                <a:latin typeface="Arial" panose="020B0604020202020204" pitchFamily="34" charset="0"/>
+                <a:cs typeface="Arial" panose="020B0604020202020204" pitchFamily="34" charset="0"/>
+              </a:rPr>
+              <a:t> </a:t>
+            </a:r>
+            <a:r>
+              <a:rPr lang="en-US" sz="2400" dirty="0" err="1">
+                <a:latin typeface="Arial" panose="020B0604020202020204" pitchFamily="34" charset="0"/>
+                <a:cs typeface="Arial" panose="020B0604020202020204" pitchFamily="34" charset="0"/>
+              </a:rPr>
+              <a:t>cho</a:t>
+            </a:r>
+            <a:r>
+              <a:rPr lang="en-US" sz="2400" dirty="0">
+                <a:latin typeface="Arial" panose="020B0604020202020204" pitchFamily="34" charset="0"/>
+                <a:cs typeface="Arial" panose="020B0604020202020204" pitchFamily="34" charset="0"/>
+              </a:rPr>
+              <a:t> bản </a:t>
+            </a:r>
+            <a:r>
+              <a:rPr lang="en-US" sz="2400" dirty="0" err="1">
+                <a:latin typeface="Arial" panose="020B0604020202020204" pitchFamily="34" charset="0"/>
+                <a:cs typeface="Arial" panose="020B0604020202020204" pitchFamily="34" charset="0"/>
+              </a:rPr>
+              <a:t>thân</a:t>
+            </a:r>
+            <a:r>
+              <a:rPr lang="en-US" sz="2400" dirty="0">
+                <a:latin typeface="Arial" panose="020B0604020202020204" pitchFamily="34" charset="0"/>
+                <a:cs typeface="Arial" panose="020B0604020202020204" pitchFamily="34" charset="0"/>
+              </a:rPr>
+              <a:t> trong </a:t>
+            </a:r>
+            <a:r>
+              <a:rPr lang="en-US" sz="2400" dirty="0" err="1">
+                <a:latin typeface="Arial" panose="020B0604020202020204" pitchFamily="34" charset="0"/>
+                <a:cs typeface="Arial" panose="020B0604020202020204" pitchFamily="34" charset="0"/>
+              </a:rPr>
+              <a:t>tối</a:t>
+            </a:r>
+            <a:r>
+              <a:rPr lang="en-US" sz="2400" dirty="0">
+                <a:latin typeface="Arial" panose="020B0604020202020204" pitchFamily="34" charset="0"/>
+                <a:cs typeface="Arial" panose="020B0604020202020204" pitchFamily="34" charset="0"/>
+              </a:rPr>
+              <a:t> </a:t>
+            </a:r>
+            <a:r>
+              <a:rPr lang="en-US" sz="2400" dirty="0" err="1">
+                <a:latin typeface="Arial" panose="020B0604020202020204" pitchFamily="34" charset="0"/>
+                <a:cs typeface="Arial" panose="020B0604020202020204" pitchFamily="34" charset="0"/>
+              </a:rPr>
+              <a:t>đa</a:t>
+            </a:r>
+            <a:r>
+              <a:rPr lang="en-US" sz="2400" dirty="0">
+                <a:latin typeface="Arial" panose="020B0604020202020204" pitchFamily="34" charset="0"/>
+                <a:cs typeface="Arial" panose="020B0604020202020204" pitchFamily="34" charset="0"/>
+              </a:rPr>
+              <a:t> 5s, </a:t>
+            </a:r>
+            <a:r>
+              <a:rPr lang="en-US" sz="2400" dirty="0" err="1">
+                <a:latin typeface="Arial" panose="020B0604020202020204" pitchFamily="34" charset="0"/>
+                <a:cs typeface="Arial" panose="020B0604020202020204" pitchFamily="34" charset="0"/>
+              </a:rPr>
+              <a:t>sau</a:t>
+            </a:r>
+            <a:r>
+              <a:rPr lang="en-US" sz="2400" dirty="0">
+                <a:latin typeface="Arial" panose="020B0604020202020204" pitchFamily="34" charset="0"/>
+                <a:cs typeface="Arial" panose="020B0604020202020204" pitchFamily="34" charset="0"/>
+              </a:rPr>
+              <a:t> </a:t>
+            </a:r>
+            <a:r>
+              <a:rPr lang="en-US" sz="2400" dirty="0" err="1">
+                <a:latin typeface="Arial" panose="020B0604020202020204" pitchFamily="34" charset="0"/>
+                <a:cs typeface="Arial" panose="020B0604020202020204" pitchFamily="34" charset="0"/>
+              </a:rPr>
+              <a:t>đó</a:t>
+            </a:r>
+            <a:r>
+              <a:rPr lang="en-US" sz="2400" dirty="0">
+                <a:latin typeface="Arial" panose="020B0604020202020204" pitchFamily="34" charset="0"/>
+                <a:cs typeface="Arial" panose="020B0604020202020204" pitchFamily="34" charset="0"/>
+              </a:rPr>
+              <a:t> </a:t>
+            </a:r>
+            <a:r>
+              <a:rPr lang="en-US" sz="2400" dirty="0" err="1">
+                <a:latin typeface="Arial" panose="020B0604020202020204" pitchFamily="34" charset="0"/>
+                <a:cs typeface="Arial" panose="020B0604020202020204" pitchFamily="34" charset="0"/>
+              </a:rPr>
+              <a:t>sẽ</a:t>
+            </a:r>
+            <a:r>
+              <a:rPr lang="en-US" sz="2400" dirty="0">
+                <a:latin typeface="Arial" panose="020B0604020202020204" pitchFamily="34" charset="0"/>
+                <a:cs typeface="Arial" panose="020B0604020202020204" pitchFamily="34" charset="0"/>
+              </a:rPr>
+              <a:t> trở </a:t>
+            </a:r>
+            <a:r>
+              <a:rPr lang="en-US" sz="2400" dirty="0" err="1">
+                <a:latin typeface="Arial" panose="020B0604020202020204" pitchFamily="34" charset="0"/>
+                <a:cs typeface="Arial" panose="020B0604020202020204" pitchFamily="34" charset="0"/>
+              </a:rPr>
+              <a:t>về</a:t>
+            </a:r>
+            <a:r>
+              <a:rPr lang="en-US" sz="2400" dirty="0">
+                <a:latin typeface="Arial" panose="020B0604020202020204" pitchFamily="34" charset="0"/>
+                <a:cs typeface="Arial" panose="020B0604020202020204" pitchFamily="34" charset="0"/>
+              </a:rPr>
+              <a:t> </a:t>
+            </a:r>
+            <a:r>
+              <a:rPr lang="en-US" sz="2400" dirty="0" err="1">
+                <a:latin typeface="Arial" panose="020B0604020202020204" pitchFamily="34" charset="0"/>
+                <a:cs typeface="Arial" panose="020B0604020202020204" pitchFamily="34" charset="0"/>
+              </a:rPr>
+              <a:t>trạng</a:t>
+            </a:r>
+            <a:r>
+              <a:rPr lang="en-US" sz="2400" dirty="0">
+                <a:latin typeface="Arial" panose="020B0604020202020204" pitchFamily="34" charset="0"/>
+                <a:cs typeface="Arial" panose="020B0604020202020204" pitchFamily="34" charset="0"/>
+              </a:rPr>
+              <a:t> </a:t>
+            </a:r>
+            <a:r>
+              <a:rPr lang="en-US" sz="2400" dirty="0" err="1">
+                <a:latin typeface="Arial" panose="020B0604020202020204" pitchFamily="34" charset="0"/>
+                <a:cs typeface="Arial" panose="020B0604020202020204" pitchFamily="34" charset="0"/>
+              </a:rPr>
+              <a:t>thái</a:t>
+            </a:r>
+            <a:r>
+              <a:rPr lang="en-US" sz="2400" dirty="0">
+                <a:latin typeface="Arial" panose="020B0604020202020204" pitchFamily="34" charset="0"/>
+                <a:cs typeface="Arial" panose="020B0604020202020204" pitchFamily="34" charset="0"/>
+              </a:rPr>
+              <a:t> </a:t>
+            </a:r>
+            <a:r>
+              <a:rPr lang="en-US" sz="2400" dirty="0" err="1">
+                <a:latin typeface="Arial" panose="020B0604020202020204" pitchFamily="34" charset="0"/>
+                <a:cs typeface="Arial" panose="020B0604020202020204" pitchFamily="34" charset="0"/>
+              </a:rPr>
+              <a:t>mệt</a:t>
+            </a:r>
+            <a:r>
+              <a:rPr lang="en-US" sz="2400" dirty="0">
+                <a:latin typeface="Arial" panose="020B0604020202020204" pitchFamily="34" charset="0"/>
+                <a:cs typeface="Arial" panose="020B0604020202020204" pitchFamily="34" charset="0"/>
+              </a:rPr>
+              <a:t> </a:t>
+            </a:r>
+            <a:r>
+              <a:rPr lang="en-US" sz="2400" dirty="0" err="1">
+                <a:latin typeface="Arial" panose="020B0604020202020204" pitchFamily="34" charset="0"/>
+                <a:cs typeface="Arial" panose="020B0604020202020204" pitchFamily="34" charset="0"/>
+              </a:rPr>
+              <a:t>để</a:t>
+            </a:r>
+            <a:r>
+              <a:rPr lang="en-US" sz="2400" dirty="0">
+                <a:latin typeface="Arial" panose="020B0604020202020204" pitchFamily="34" charset="0"/>
+                <a:cs typeface="Arial" panose="020B0604020202020204" pitchFamily="34" charset="0"/>
+              </a:rPr>
+              <a:t> </a:t>
+            </a:r>
+            <a:r>
+              <a:rPr lang="en-US" sz="2400" dirty="0" err="1">
+                <a:latin typeface="Arial" panose="020B0604020202020204" pitchFamily="34" charset="0"/>
+                <a:cs typeface="Arial" panose="020B0604020202020204" pitchFamily="34" charset="0"/>
+              </a:rPr>
+              <a:t>hồi</a:t>
+            </a:r>
+            <a:r>
+              <a:rPr lang="en-US" sz="2400" dirty="0">
+                <a:latin typeface="Arial" panose="020B0604020202020204" pitchFamily="34" charset="0"/>
+                <a:cs typeface="Arial" panose="020B0604020202020204" pitchFamily="34" charset="0"/>
+              </a:rPr>
+              <a:t> </a:t>
+            </a:r>
+            <a:r>
+              <a:rPr lang="en-US" sz="2400" dirty="0" err="1">
+                <a:latin typeface="Arial" panose="020B0604020202020204" pitchFamily="34" charset="0"/>
+                <a:cs typeface="Arial" panose="020B0604020202020204" pitchFamily="34" charset="0"/>
+              </a:rPr>
+              <a:t>sức</a:t>
+            </a:r>
+            <a:r>
+              <a:rPr lang="en-US" sz="2400" dirty="0">
+                <a:latin typeface="Arial" panose="020B0604020202020204" pitchFamily="34" charset="0"/>
+                <a:cs typeface="Arial" panose="020B0604020202020204" pitchFamily="34" charset="0"/>
+              </a:rPr>
+              <a:t>. Trong </a:t>
+            </a:r>
+            <a:r>
+              <a:rPr lang="en-US" sz="2400" dirty="0" err="1">
+                <a:latin typeface="Arial" panose="020B0604020202020204" pitchFamily="34" charset="0"/>
+                <a:cs typeface="Arial" panose="020B0604020202020204" pitchFamily="34" charset="0"/>
+              </a:rPr>
+              <a:t>trạng</a:t>
+            </a:r>
+            <a:r>
+              <a:rPr lang="en-US" sz="2400" dirty="0">
+                <a:latin typeface="Arial" panose="020B0604020202020204" pitchFamily="34" charset="0"/>
+                <a:cs typeface="Arial" panose="020B0604020202020204" pitchFamily="34" charset="0"/>
+              </a:rPr>
+              <a:t> </a:t>
+            </a:r>
+            <a:r>
+              <a:rPr lang="en-US" sz="2400" dirty="0" err="1">
+                <a:latin typeface="Arial" panose="020B0604020202020204" pitchFamily="34" charset="0"/>
+                <a:cs typeface="Arial" panose="020B0604020202020204" pitchFamily="34" charset="0"/>
+              </a:rPr>
+              <a:t>thái</a:t>
+            </a:r>
+            <a:r>
+              <a:rPr lang="en-US" sz="2400" dirty="0">
+                <a:latin typeface="Arial" panose="020B0604020202020204" pitchFamily="34" charset="0"/>
+                <a:cs typeface="Arial" panose="020B0604020202020204" pitchFamily="34" charset="0"/>
+              </a:rPr>
+              <a:t> </a:t>
+            </a:r>
+            <a:r>
+              <a:rPr lang="en-US" sz="2400" dirty="0" err="1">
+                <a:latin typeface="Arial" panose="020B0604020202020204" pitchFamily="34" charset="0"/>
+                <a:cs typeface="Arial" panose="020B0604020202020204" pitchFamily="34" charset="0"/>
+              </a:rPr>
+              <a:t>này</a:t>
+            </a:r>
+            <a:r>
+              <a:rPr lang="en-US" sz="2400" dirty="0">
+                <a:latin typeface="Arial" panose="020B0604020202020204" pitchFamily="34" charset="0"/>
+                <a:cs typeface="Arial" panose="020B0604020202020204" pitchFamily="34" charset="0"/>
+              </a:rPr>
+              <a:t>, hero </a:t>
+            </a:r>
+            <a:r>
+              <a:rPr lang="en-US" sz="2400" dirty="0" err="1">
+                <a:latin typeface="Arial" panose="020B0604020202020204" pitchFamily="34" charset="0"/>
+                <a:cs typeface="Arial" panose="020B0604020202020204" pitchFamily="34" charset="0"/>
+              </a:rPr>
+              <a:t>không</a:t>
+            </a:r>
+            <a:r>
+              <a:rPr lang="en-US" sz="2400" dirty="0">
+                <a:latin typeface="Arial" panose="020B0604020202020204" pitchFamily="34" charset="0"/>
+                <a:cs typeface="Arial" panose="020B0604020202020204" pitchFamily="34" charset="0"/>
+              </a:rPr>
+              <a:t> thể </a:t>
+            </a:r>
+            <a:r>
+              <a:rPr lang="en-US" sz="2400" dirty="0" err="1">
+                <a:latin typeface="Arial" panose="020B0604020202020204" pitchFamily="34" charset="0"/>
+                <a:cs typeface="Arial" panose="020B0604020202020204" pitchFamily="34" charset="0"/>
+              </a:rPr>
+              <a:t>tăng</a:t>
+            </a:r>
+            <a:r>
+              <a:rPr lang="en-US" sz="2400" dirty="0">
+                <a:latin typeface="Arial" panose="020B0604020202020204" pitchFamily="34" charset="0"/>
+                <a:cs typeface="Arial" panose="020B0604020202020204" pitchFamily="34" charset="0"/>
+              </a:rPr>
+              <a:t> </a:t>
+            </a:r>
+            <a:r>
+              <a:rPr lang="en-US" sz="2400" dirty="0" err="1">
+                <a:latin typeface="Arial" panose="020B0604020202020204" pitchFamily="34" charset="0"/>
+                <a:cs typeface="Arial" panose="020B0604020202020204" pitchFamily="34" charset="0"/>
+              </a:rPr>
+              <a:t>tốc</a:t>
+            </a:r>
+            <a:r>
+              <a:rPr lang="en-US" sz="2400" dirty="0">
+                <a:latin typeface="Arial" panose="020B0604020202020204" pitchFamily="34" charset="0"/>
+                <a:cs typeface="Arial" panose="020B0604020202020204" pitchFamily="34" charset="0"/>
+              </a:rPr>
+              <a:t> </a:t>
+            </a:r>
+            <a:r>
+              <a:rPr lang="en-US" sz="2400" dirty="0" err="1">
+                <a:latin typeface="Arial" panose="020B0604020202020204" pitchFamily="34" charset="0"/>
+                <a:cs typeface="Arial" panose="020B0604020202020204" pitchFamily="34" charset="0"/>
+              </a:rPr>
+              <a:t>cho</a:t>
+            </a:r>
+            <a:r>
+              <a:rPr lang="en-US" sz="2400" dirty="0">
+                <a:latin typeface="Arial" panose="020B0604020202020204" pitchFamily="34" charset="0"/>
+                <a:cs typeface="Arial" panose="020B0604020202020204" pitchFamily="34" charset="0"/>
+              </a:rPr>
+              <a:t> </a:t>
+            </a:r>
+            <a:r>
+              <a:rPr lang="en-US" sz="2400" dirty="0" err="1">
+                <a:latin typeface="Arial" panose="020B0604020202020204" pitchFamily="34" charset="0"/>
+                <a:cs typeface="Arial" panose="020B0604020202020204" pitchFamily="34" charset="0"/>
+              </a:rPr>
+              <a:t>đến</a:t>
+            </a:r>
+            <a:r>
+              <a:rPr lang="en-US" sz="2400" dirty="0">
+                <a:latin typeface="Arial" panose="020B0604020202020204" pitchFamily="34" charset="0"/>
+                <a:cs typeface="Arial" panose="020B0604020202020204" pitchFamily="34" charset="0"/>
+              </a:rPr>
+              <a:t> </a:t>
+            </a:r>
+            <a:r>
+              <a:rPr lang="en-US" sz="2400" dirty="0" err="1">
+                <a:latin typeface="Arial" panose="020B0604020202020204" pitchFamily="34" charset="0"/>
+                <a:cs typeface="Arial" panose="020B0604020202020204" pitchFamily="34" charset="0"/>
+              </a:rPr>
+              <a:t>khi</a:t>
+            </a:r>
+            <a:r>
+              <a:rPr lang="en-US" sz="2400" dirty="0">
+                <a:latin typeface="Arial" panose="020B0604020202020204" pitchFamily="34" charset="0"/>
+                <a:cs typeface="Arial" panose="020B0604020202020204" pitchFamily="34" charset="0"/>
+              </a:rPr>
+              <a:t> </a:t>
+            </a:r>
+            <a:r>
+              <a:rPr lang="en-US" sz="2400" dirty="0" err="1">
+                <a:latin typeface="Arial" panose="020B0604020202020204" pitchFamily="34" charset="0"/>
+                <a:cs typeface="Arial" panose="020B0604020202020204" pitchFamily="34" charset="0"/>
+              </a:rPr>
+              <a:t>khỏe</a:t>
+            </a:r>
+            <a:r>
+              <a:rPr lang="en-US" sz="2400" dirty="0">
+                <a:latin typeface="Arial" panose="020B0604020202020204" pitchFamily="34" charset="0"/>
+                <a:cs typeface="Arial" panose="020B0604020202020204" pitchFamily="34" charset="0"/>
+              </a:rPr>
+              <a:t> trở </a:t>
+            </a:r>
+            <a:r>
+              <a:rPr lang="en-US" sz="2400" dirty="0" err="1">
+                <a:latin typeface="Arial" panose="020B0604020202020204" pitchFamily="34" charset="0"/>
+                <a:cs typeface="Arial" panose="020B0604020202020204" pitchFamily="34" charset="0"/>
+              </a:rPr>
+              <a:t>lại</a:t>
+            </a:r>
+            <a:r>
+              <a:rPr lang="en-US" sz="2400" dirty="0">
+                <a:latin typeface="Arial" panose="020B0604020202020204" pitchFamily="34" charset="0"/>
+                <a:cs typeface="Arial" panose="020B0604020202020204" pitchFamily="34" charset="0"/>
+              </a:rPr>
+              <a:t>.</a:t>
+            </a:r>
+          </a:p>
+          <a:p>
+            <a:pPr marL="342900" indent="-342900">
+              <a:spcBef>
+                <a:spcPts val="600"/>
+              </a:spcBef>
+              <a:buFont typeface="Wingdings" panose="05000000000000000000" pitchFamily="2" charset="2"/>
+              <a:buChar char="Ø"/>
+            </a:pPr>
+            <a:r>
+              <a:rPr lang="en-US" sz="2400" dirty="0">
+                <a:latin typeface="Arial" panose="020B0604020202020204" pitchFamily="34" charset="0"/>
+                <a:cs typeface="Arial" panose="020B0604020202020204" pitchFamily="34" charset="0"/>
+              </a:rPr>
+              <a:t>Một </a:t>
             </a:r>
             <a:r>
               <a:rPr lang="en-US" sz="2400" dirty="0" err="1">
@@ -10494,21 +11012,7 @@
                 <a:latin typeface="Arial" panose="020B0604020202020204" pitchFamily="34" charset="0"/>
                 <a:cs typeface="Arial" panose="020B0604020202020204" pitchFamily="34" charset="0"/>
               </a:rPr>
-              <a:t>, </a:t>
-            </a:r>
-            <a:r>
-              <a:rPr lang="en-US" sz="2400" dirty="0" err="1">
-                <a:latin typeface="Arial" panose="020B0604020202020204" pitchFamily="34" charset="0"/>
-                <a:cs typeface="Arial" panose="020B0604020202020204" pitchFamily="34" charset="0"/>
-              </a:rPr>
-              <a:t>nếu</a:t>
-            </a:r>
-            <a:r>
-              <a:rPr lang="en-US" sz="2400" dirty="0">
-                <a:latin typeface="Arial" panose="020B0604020202020204" pitchFamily="34" charset="0"/>
-                <a:cs typeface="Arial" panose="020B0604020202020204" pitchFamily="34" charset="0"/>
-              </a:rPr>
-              <a:t> </a:t>
+              <a:t>, nếu </a:t>
             </a:r>
             <a:r>
               <a:rPr lang="en-US" sz="2400" dirty="0" err="1">
@@ -10592,7 +11096,7 @@
                 <a:latin typeface="Arial" panose="020B0604020202020204" pitchFamily="34" charset="0"/>
                 <a:cs typeface="Arial" panose="020B0604020202020204" pitchFamily="34" charset="0"/>
               </a:rPr>
-              <a:t> 30 </a:t>
+              <a:t> 40 </a:t>
             </a:r>
             <a:r>
               <a:rPr lang="en-US" sz="2400" dirty="0" err="1">
@@ -10948,13 +11452,13 @@
   <p:clrMapOvr>
     <a:masterClrMapping/>
   </p:clrMapOvr>
-  <mc:AlternateContent xmlns:mc="http://schemas.openxmlformats.org/markup-compatibility/2006">
-    <mc:Choice xmlns:p159="http://schemas.microsoft.com/office/powerpoint/2015/09/main" Requires="p159">
+  <mc:AlternateContent xmlns:mc="http://schemas.openxmlformats.org/markup-compatibility/2006" xmlns:p159="http://schemas.microsoft.com/office/powerpoint/2015/09/main">
+    <mc:Choice Requires="p159">
       <p:transition xmlns:p14="http://schemas.microsoft.com/office/powerpoint/2010/main" spd="slow" p14:dur="2000">
         <p159:morph option="byObject"/>
       </p:transition>
     </mc:Choice>
-    <mc:Fallback>
+    <mc:Fallback xmlns="">
       <p:transition spd="slow">
         <p:fade/>
       </p:transition>
@@ -11109,15 +11613,33 @@
                                   </p:childTnLst>
                                 </p:cTn>
                               </p:par>
+                            </p:childTnLst>
+                          </p:cTn>
+                        </p:par>
+                      </p:childTnLst>
+                    </p:cTn>
+                  </p:par>
+                  <p:par>
+                    <p:cTn id="15" fill="hold">
+                      <p:stCondLst>
+                        <p:cond delay="indefinite"/>
+                      </p:stCondLst>
+                      <p:childTnLst>
+                        <p:par>
+                          <p:cTn id="16" fill="hold">
+                            <p:stCondLst>
+                              <p:cond delay="0"/>
+                            </p:stCondLst>
+                            <p:childTnLst>
                               <p:par>
-                                <p:cTn id="15" presetID="1" presetClass="entr" presetSubtype="0" fill="hold" nodeType="withEffect">
+                                <p:cTn id="17" presetID="1" presetClass="entr" presetSubtype="0" fill="hold" nodeType="clickEffect">
                                   <p:stCondLst>
                                     <p:cond delay="0"/>
                                   </p:stCondLst>
                                   <p:childTnLst>
                                     <p:set>
                                       <p:cBhvr>
-                                        <p:cTn id="16" dur="1" fill="hold">
+                                        <p:cTn id="18" dur="1" fill="hold">
                                           <p:stCondLst>
                                             <p:cond delay="0"/>
                                           </p:stCondLst>
@@ -11126,6 +11648,37 @@
                                           <p:spTgt spid="7">
                                             <p:txEl>
                                               <p:pRg st="3" end="3"/>
+                                            </p:txEl>
+                                          </p:spTgt>
+                                        </p:tgtEl>
+                                        <p:attrNameLst>
+                                          <p:attrName>style.visibility</p:attrName>
+                                        </p:attrNameLst>
+                                      </p:cBhvr>
+                                      <p:to>
+                                        <p:strVal val="visible"/>
+                                      </p:to>
+                                    </p:set>
+                                  </p:childTnLst>
+                                </p:cTn>
+                              </p:par>
+                              <p:par>
+                                <p:cTn id="19" presetID="1" presetClass="entr" presetSubtype="0" fill="hold" nodeType="withEffect">
+                                  <p:stCondLst>
+                                    <p:cond delay="0"/>
+                                  </p:stCondLst>
+                                  <p:childTnLst>
+                                    <p:set>
+                                      <p:cBhvr>
+                                        <p:cTn id="20" dur="1" fill="hold">
+                                          <p:stCondLst>
+                                            <p:cond delay="0"/>
+                                          </p:stCondLst>
+                                        </p:cTn>
+                                        <p:tgtEl>
+                                          <p:spTgt spid="7">
+                                            <p:txEl>
+                                              <p:pRg st="4" end="4"/>
                                             </p:txEl>
                                           </p:spTgt>
                                         </p:tgtEl>
@@ -12002,13 +12555,13 @@
   <p:clrMapOvr>
     <a:masterClrMapping/>
   </p:clrMapOvr>
-  <mc:AlternateContent xmlns:mc="http://schemas.openxmlformats.org/markup-compatibility/2006">
-    <mc:Choice xmlns:p159="http://schemas.microsoft.com/office/powerpoint/2015/09/main" Requires="p159">
+  <mc:AlternateContent xmlns:mc="http://schemas.openxmlformats.org/markup-compatibility/2006" xmlns:p159="http://schemas.microsoft.com/office/powerpoint/2015/09/main">
+    <mc:Choice Requires="p159">
       <p:transition xmlns:p14="http://schemas.microsoft.com/office/powerpoint/2010/main" spd="slow" p14:dur="2000">
         <p159:morph option="byObject"/>
       </p:transition>
     </mc:Choice>
-    <mc:Fallback>
+    <mc:Fallback xmlns="">
       <p:transition spd="slow">
         <p:fade/>
       </p:transition>
@@ -12570,13 +13123,13 @@
   <p:clrMapOvr>
     <a:masterClrMapping/>
   </p:clrMapOvr>
-  <mc:AlternateContent xmlns:mc="http://schemas.openxmlformats.org/markup-compatibility/2006">
-    <mc:Choice xmlns:p159="http://schemas.microsoft.com/office/powerpoint/2015/09/main" Requires="p159">
+  <mc:AlternateContent xmlns:mc="http://schemas.openxmlformats.org/markup-compatibility/2006" xmlns:p159="http://schemas.microsoft.com/office/powerpoint/2015/09/main">
+    <mc:Choice Requires="p159">
       <p:transition xmlns:p14="http://schemas.microsoft.com/office/powerpoint/2010/main" spd="slow" p14:dur="2000">
         <p159:morph option="byObject"/>
       </p:transition>
     </mc:Choice>
-    <mc:Fallback>
+    <mc:Fallback xmlns="">
       <p:transition spd="slow">
         <p:fade/>
       </p:transition>
@@ -12792,13 +13345,13 @@
   <p:clrMapOvr>
     <a:masterClrMapping/>
   </p:clrMapOvr>
-  <mc:AlternateContent xmlns:mc="http://schemas.openxmlformats.org/markup-compatibility/2006">
-    <mc:Choice xmlns:p159="http://schemas.microsoft.com/office/powerpoint/2015/09/main" Requires="p159">
+  <mc:AlternateContent xmlns:mc="http://schemas.openxmlformats.org/markup-compatibility/2006" xmlns:p159="http://schemas.microsoft.com/office/powerpoint/2015/09/main">
+    <mc:Choice Requires="p159">
       <p:transition xmlns:p14="http://schemas.microsoft.com/office/powerpoint/2010/main" spd="slow" p14:dur="2000">
         <p159:morph option="byObject"/>
       </p:transition>
     </mc:Choice>
-    <mc:Fallback>
+    <mc:Fallback xmlns="">
       <p:transition spd="slow">
         <p:fade/>
       </p:transition>
